--- a/TX08 Firmware.pptx
+++ b/TX08 Firmware.pptx
@@ -4,18 +4,22 @@
   <p:sldMasterIdLst>
     <p:sldMasterId id="2147483748" r:id="rId1"/>
   </p:sldMasterIdLst>
+  <p:notesMasterIdLst>
+    <p:notesMasterId r:id="rId14"/>
+  </p:notesMasterIdLst>
   <p:sldIdLst>
     <p:sldId id="256" r:id="rId2"/>
-    <p:sldId id="262" r:id="rId3"/>
-    <p:sldId id="257" r:id="rId4"/>
-    <p:sldId id="260" r:id="rId5"/>
-    <p:sldId id="263" r:id="rId6"/>
-    <p:sldId id="258" r:id="rId7"/>
-    <p:sldId id="265" r:id="rId8"/>
-    <p:sldId id="259" r:id="rId9"/>
-    <p:sldId id="261" r:id="rId10"/>
-    <p:sldId id="264" r:id="rId11"/>
-    <p:sldId id="266" r:id="rId12"/>
+    <p:sldId id="291" r:id="rId3"/>
+    <p:sldId id="262" r:id="rId4"/>
+    <p:sldId id="257" r:id="rId5"/>
+    <p:sldId id="260" r:id="rId6"/>
+    <p:sldId id="263" r:id="rId7"/>
+    <p:sldId id="258" r:id="rId8"/>
+    <p:sldId id="265" r:id="rId9"/>
+    <p:sldId id="259" r:id="rId10"/>
+    <p:sldId id="261" r:id="rId11"/>
+    <p:sldId id="264" r:id="rId12"/>
+    <p:sldId id="266" r:id="rId13"/>
   </p:sldIdLst>
   <p:sldSz cx="12192000" cy="6858000"/>
   <p:notesSz cx="6858000" cy="9144000"/>
@@ -120,6 +124,447 @@
     </p:ext>
   </p:extLst>
 </p:presentation>
+</file>
+
+<file path=ppt/notesMasters/notesMaster1.xml><?xml version="1.0" encoding="utf-8"?>
+<p:notesMaster xmlns:a="http://schemas.openxmlformats.org/drawingml/2006/main" xmlns:r="http://schemas.openxmlformats.org/officeDocument/2006/relationships" xmlns:p="http://schemas.openxmlformats.org/presentationml/2006/main">
+  <p:cSld>
+    <p:bg>
+      <p:bgRef idx="1001">
+        <a:schemeClr val="bg1"/>
+      </p:bgRef>
+    </p:bg>
+    <p:spTree>
+      <p:nvGrpSpPr>
+        <p:cNvPr id="1" name=""/>
+        <p:cNvGrpSpPr/>
+        <p:nvPr/>
+      </p:nvGrpSpPr>
+      <p:grpSpPr>
+        <a:xfrm>
+          <a:off x="0" y="0"/>
+          <a:ext cx="0" cy="0"/>
+          <a:chOff x="0" y="0"/>
+          <a:chExt cx="0" cy="0"/>
+        </a:xfrm>
+      </p:grpSpPr>
+      <p:sp>
+        <p:nvSpPr>
+          <p:cNvPr id="2" name="Pladsholder til sidehoved 1"/>
+          <p:cNvSpPr>
+            <a:spLocks noGrp="1"/>
+          </p:cNvSpPr>
+          <p:nvPr>
+            <p:ph type="hdr" sz="quarter"/>
+          </p:nvPr>
+        </p:nvSpPr>
+        <p:spPr>
+          <a:xfrm>
+            <a:off x="0" y="0"/>
+            <a:ext cx="2971800" cy="458788"/>
+          </a:xfrm>
+          <a:prstGeom prst="rect">
+            <a:avLst/>
+          </a:prstGeom>
+        </p:spPr>
+        <p:txBody>
+          <a:bodyPr vert="horz" lIns="91440" tIns="45720" rIns="91440" bIns="45720" rtlCol="0"/>
+          <a:lstStyle>
+            <a:lvl1pPr algn="l">
+              <a:defRPr sz="1200"/>
+            </a:lvl1pPr>
+          </a:lstStyle>
+          <a:p>
+            <a:endParaRPr lang="en-DK"/>
+          </a:p>
+        </p:txBody>
+      </p:sp>
+      <p:sp>
+        <p:nvSpPr>
+          <p:cNvPr id="3" name="Pladsholder til dato 2"/>
+          <p:cNvSpPr>
+            <a:spLocks noGrp="1"/>
+          </p:cNvSpPr>
+          <p:nvPr>
+            <p:ph type="dt" idx="1"/>
+          </p:nvPr>
+        </p:nvSpPr>
+        <p:spPr>
+          <a:xfrm>
+            <a:off x="3884613" y="0"/>
+            <a:ext cx="2971800" cy="458788"/>
+          </a:xfrm>
+          <a:prstGeom prst="rect">
+            <a:avLst/>
+          </a:prstGeom>
+        </p:spPr>
+        <p:txBody>
+          <a:bodyPr vert="horz" lIns="91440" tIns="45720" rIns="91440" bIns="45720" rtlCol="0"/>
+          <a:lstStyle>
+            <a:lvl1pPr algn="r">
+              <a:defRPr sz="1200"/>
+            </a:lvl1pPr>
+          </a:lstStyle>
+          <a:p>
+            <a:fld id="{E845EDED-FB46-4922-A52A-BC1C3A155669}" type="datetimeFigureOut">
+              <a:rPr lang="en-DK" smtClean="0"/>
+              <a:t>29/01/2026</a:t>
+            </a:fld>
+            <a:endParaRPr lang="en-DK"/>
+          </a:p>
+        </p:txBody>
+      </p:sp>
+      <p:sp>
+        <p:nvSpPr>
+          <p:cNvPr id="4" name="Pladsholder til slidebillede 3"/>
+          <p:cNvSpPr>
+            <a:spLocks noGrp="1" noRot="1" noChangeAspect="1"/>
+          </p:cNvSpPr>
+          <p:nvPr>
+            <p:ph type="sldImg" idx="2"/>
+          </p:nvPr>
+        </p:nvSpPr>
+        <p:spPr>
+          <a:xfrm>
+            <a:off x="685800" y="1143000"/>
+            <a:ext cx="5486400" cy="3086100"/>
+          </a:xfrm>
+          <a:prstGeom prst="rect">
+            <a:avLst/>
+          </a:prstGeom>
+          <a:noFill/>
+          <a:ln w="12700">
+            <a:solidFill>
+              <a:prstClr val="black"/>
+            </a:solidFill>
+          </a:ln>
+        </p:spPr>
+        <p:txBody>
+          <a:bodyPr vert="horz" lIns="91440" tIns="45720" rIns="91440" bIns="45720" rtlCol="0" anchor="ctr"/>
+          <a:lstStyle/>
+          <a:p>
+            <a:endParaRPr lang="en-DK"/>
+          </a:p>
+        </p:txBody>
+      </p:sp>
+      <p:sp>
+        <p:nvSpPr>
+          <p:cNvPr id="5" name="Pladsholder til noter 4"/>
+          <p:cNvSpPr>
+            <a:spLocks noGrp="1"/>
+          </p:cNvSpPr>
+          <p:nvPr>
+            <p:ph type="body" sz="quarter" idx="3"/>
+          </p:nvPr>
+        </p:nvSpPr>
+        <p:spPr>
+          <a:xfrm>
+            <a:off x="685800" y="4400550"/>
+            <a:ext cx="5486400" cy="3600450"/>
+          </a:xfrm>
+          <a:prstGeom prst="rect">
+            <a:avLst/>
+          </a:prstGeom>
+        </p:spPr>
+        <p:txBody>
+          <a:bodyPr vert="horz" lIns="91440" tIns="45720" rIns="91440" bIns="45720" rtlCol="0"/>
+          <a:lstStyle/>
+          <a:p>
+            <a:pPr lvl="0"/>
+            <a:r>
+              <a:rPr lang="da-DK"/>
+              <a:t>Klik for at redigere teksttypografierne i masteren</a:t>
+            </a:r>
+          </a:p>
+          <a:p>
+            <a:pPr lvl="1"/>
+            <a:r>
+              <a:rPr lang="da-DK"/>
+              <a:t>Andet niveau</a:t>
+            </a:r>
+          </a:p>
+          <a:p>
+            <a:pPr lvl="2"/>
+            <a:r>
+              <a:rPr lang="da-DK"/>
+              <a:t>Tredje niveau</a:t>
+            </a:r>
+          </a:p>
+          <a:p>
+            <a:pPr lvl="3"/>
+            <a:r>
+              <a:rPr lang="da-DK"/>
+              <a:t>Fjerde niveau</a:t>
+            </a:r>
+          </a:p>
+          <a:p>
+            <a:pPr lvl="4"/>
+            <a:r>
+              <a:rPr lang="da-DK"/>
+              <a:t>Femte niveau</a:t>
+            </a:r>
+            <a:endParaRPr lang="en-DK"/>
+          </a:p>
+        </p:txBody>
+      </p:sp>
+      <p:sp>
+        <p:nvSpPr>
+          <p:cNvPr id="6" name="Pladsholder til sidefod 5"/>
+          <p:cNvSpPr>
+            <a:spLocks noGrp="1"/>
+          </p:cNvSpPr>
+          <p:nvPr>
+            <p:ph type="ftr" sz="quarter" idx="4"/>
+          </p:nvPr>
+        </p:nvSpPr>
+        <p:spPr>
+          <a:xfrm>
+            <a:off x="0" y="8685213"/>
+            <a:ext cx="2971800" cy="458787"/>
+          </a:xfrm>
+          <a:prstGeom prst="rect">
+            <a:avLst/>
+          </a:prstGeom>
+        </p:spPr>
+        <p:txBody>
+          <a:bodyPr vert="horz" lIns="91440" tIns="45720" rIns="91440" bIns="45720" rtlCol="0" anchor="b"/>
+          <a:lstStyle>
+            <a:lvl1pPr algn="l">
+              <a:defRPr sz="1200"/>
+            </a:lvl1pPr>
+          </a:lstStyle>
+          <a:p>
+            <a:endParaRPr lang="en-DK"/>
+          </a:p>
+        </p:txBody>
+      </p:sp>
+      <p:sp>
+        <p:nvSpPr>
+          <p:cNvPr id="7" name="Pladsholder til slidenummer 6"/>
+          <p:cNvSpPr>
+            <a:spLocks noGrp="1"/>
+          </p:cNvSpPr>
+          <p:nvPr>
+            <p:ph type="sldNum" sz="quarter" idx="5"/>
+          </p:nvPr>
+        </p:nvSpPr>
+        <p:spPr>
+          <a:xfrm>
+            <a:off x="3884613" y="8685213"/>
+            <a:ext cx="2971800" cy="458787"/>
+          </a:xfrm>
+          <a:prstGeom prst="rect">
+            <a:avLst/>
+          </a:prstGeom>
+        </p:spPr>
+        <p:txBody>
+          <a:bodyPr vert="horz" lIns="91440" tIns="45720" rIns="91440" bIns="45720" rtlCol="0" anchor="b"/>
+          <a:lstStyle>
+            <a:lvl1pPr algn="r">
+              <a:defRPr sz="1200"/>
+            </a:lvl1pPr>
+          </a:lstStyle>
+          <a:p>
+            <a:fld id="{8B9B0DAE-A999-4E1E-9C7E-F67730222E7E}" type="slidenum">
+              <a:rPr lang="en-DK" smtClean="0"/>
+              <a:t>‹nr.›</a:t>
+            </a:fld>
+            <a:endParaRPr lang="en-DK"/>
+          </a:p>
+        </p:txBody>
+      </p:sp>
+    </p:spTree>
+    <p:extLst>
+      <p:ext uri="{BB962C8B-B14F-4D97-AF65-F5344CB8AC3E}">
+        <p14:creationId xmlns:p14="http://schemas.microsoft.com/office/powerpoint/2010/main" val="3406690417"/>
+      </p:ext>
+    </p:extLst>
+  </p:cSld>
+  <p:clrMap bg1="lt1" tx1="dk1" bg2="lt2" tx2="dk2" accent1="accent1" accent2="accent2" accent3="accent3" accent4="accent4" accent5="accent5" accent6="accent6" hlink="hlink" folHlink="folHlink"/>
+  <p:notesStyle>
+    <a:lvl1pPr marL="0" algn="l" defTabSz="914400" rtl="0" eaLnBrk="1" latinLnBrk="0" hangingPunct="1">
+      <a:defRPr sz="1200" kern="1200">
+        <a:solidFill>
+          <a:schemeClr val="tx1"/>
+        </a:solidFill>
+        <a:latin typeface="+mn-lt"/>
+        <a:ea typeface="+mn-ea"/>
+        <a:cs typeface="+mn-cs"/>
+      </a:defRPr>
+    </a:lvl1pPr>
+    <a:lvl2pPr marL="457200" algn="l" defTabSz="914400" rtl="0" eaLnBrk="1" latinLnBrk="0" hangingPunct="1">
+      <a:defRPr sz="1200" kern="1200">
+        <a:solidFill>
+          <a:schemeClr val="tx1"/>
+        </a:solidFill>
+        <a:latin typeface="+mn-lt"/>
+        <a:ea typeface="+mn-ea"/>
+        <a:cs typeface="+mn-cs"/>
+      </a:defRPr>
+    </a:lvl2pPr>
+    <a:lvl3pPr marL="914400" algn="l" defTabSz="914400" rtl="0" eaLnBrk="1" latinLnBrk="0" hangingPunct="1">
+      <a:defRPr sz="1200" kern="1200">
+        <a:solidFill>
+          <a:schemeClr val="tx1"/>
+        </a:solidFill>
+        <a:latin typeface="+mn-lt"/>
+        <a:ea typeface="+mn-ea"/>
+        <a:cs typeface="+mn-cs"/>
+      </a:defRPr>
+    </a:lvl3pPr>
+    <a:lvl4pPr marL="1371600" algn="l" defTabSz="914400" rtl="0" eaLnBrk="1" latinLnBrk="0" hangingPunct="1">
+      <a:defRPr sz="1200" kern="1200">
+        <a:solidFill>
+          <a:schemeClr val="tx1"/>
+        </a:solidFill>
+        <a:latin typeface="+mn-lt"/>
+        <a:ea typeface="+mn-ea"/>
+        <a:cs typeface="+mn-cs"/>
+      </a:defRPr>
+    </a:lvl4pPr>
+    <a:lvl5pPr marL="1828800" algn="l" defTabSz="914400" rtl="0" eaLnBrk="1" latinLnBrk="0" hangingPunct="1">
+      <a:defRPr sz="1200" kern="1200">
+        <a:solidFill>
+          <a:schemeClr val="tx1"/>
+        </a:solidFill>
+        <a:latin typeface="+mn-lt"/>
+        <a:ea typeface="+mn-ea"/>
+        <a:cs typeface="+mn-cs"/>
+      </a:defRPr>
+    </a:lvl5pPr>
+    <a:lvl6pPr marL="2286000" algn="l" defTabSz="914400" rtl="0" eaLnBrk="1" latinLnBrk="0" hangingPunct="1">
+      <a:defRPr sz="1200" kern="1200">
+        <a:solidFill>
+          <a:schemeClr val="tx1"/>
+        </a:solidFill>
+        <a:latin typeface="+mn-lt"/>
+        <a:ea typeface="+mn-ea"/>
+        <a:cs typeface="+mn-cs"/>
+      </a:defRPr>
+    </a:lvl6pPr>
+    <a:lvl7pPr marL="2743200" algn="l" defTabSz="914400" rtl="0" eaLnBrk="1" latinLnBrk="0" hangingPunct="1">
+      <a:defRPr sz="1200" kern="1200">
+        <a:solidFill>
+          <a:schemeClr val="tx1"/>
+        </a:solidFill>
+        <a:latin typeface="+mn-lt"/>
+        <a:ea typeface="+mn-ea"/>
+        <a:cs typeface="+mn-cs"/>
+      </a:defRPr>
+    </a:lvl7pPr>
+    <a:lvl8pPr marL="3200400" algn="l" defTabSz="914400" rtl="0" eaLnBrk="1" latinLnBrk="0" hangingPunct="1">
+      <a:defRPr sz="1200" kern="1200">
+        <a:solidFill>
+          <a:schemeClr val="tx1"/>
+        </a:solidFill>
+        <a:latin typeface="+mn-lt"/>
+        <a:ea typeface="+mn-ea"/>
+        <a:cs typeface="+mn-cs"/>
+      </a:defRPr>
+    </a:lvl8pPr>
+    <a:lvl9pPr marL="3657600" algn="l" defTabSz="914400" rtl="0" eaLnBrk="1" latinLnBrk="0" hangingPunct="1">
+      <a:defRPr sz="1200" kern="1200">
+        <a:solidFill>
+          <a:schemeClr val="tx1"/>
+        </a:solidFill>
+        <a:latin typeface="+mn-lt"/>
+        <a:ea typeface="+mn-ea"/>
+        <a:cs typeface="+mn-cs"/>
+      </a:defRPr>
+    </a:lvl9pPr>
+  </p:notesStyle>
+</p:notesMaster>
+</file>
+
+<file path=ppt/notesSlides/notesSlide1.xml><?xml version="1.0" encoding="utf-8"?>
+<p:notes xmlns:a="http://schemas.openxmlformats.org/drawingml/2006/main" xmlns:r="http://schemas.openxmlformats.org/officeDocument/2006/relationships" xmlns:p="http://schemas.openxmlformats.org/presentationml/2006/main">
+  <p:cSld>
+    <p:spTree>
+      <p:nvGrpSpPr>
+        <p:cNvPr id="1" name=""/>
+        <p:cNvGrpSpPr/>
+        <p:nvPr/>
+      </p:nvGrpSpPr>
+      <p:grpSpPr>
+        <a:xfrm>
+          <a:off x="0" y="0"/>
+          <a:ext cx="0" cy="0"/>
+          <a:chOff x="0" y="0"/>
+          <a:chExt cx="0" cy="0"/>
+        </a:xfrm>
+      </p:grpSpPr>
+      <p:sp>
+        <p:nvSpPr>
+          <p:cNvPr id="2" name="Pladsholder til slidebillede 1"/>
+          <p:cNvSpPr>
+            <a:spLocks noGrp="1" noRot="1" noChangeAspect="1"/>
+          </p:cNvSpPr>
+          <p:nvPr>
+            <p:ph type="sldImg"/>
+          </p:nvPr>
+        </p:nvSpPr>
+        <p:spPr/>
+        <p:txBody>
+          <a:bodyPr/>
+          <a:lstStyle/>
+          <a:p>
+            <a:endParaRPr lang="en-DK"/>
+          </a:p>
+        </p:txBody>
+      </p:sp>
+      <p:sp>
+        <p:nvSpPr>
+          <p:cNvPr id="3" name="Pladsholder til noter 2"/>
+          <p:cNvSpPr>
+            <a:spLocks noGrp="1"/>
+          </p:cNvSpPr>
+          <p:nvPr>
+            <p:ph type="body" idx="1"/>
+          </p:nvPr>
+        </p:nvSpPr>
+        <p:spPr/>
+        <p:txBody>
+          <a:bodyPr/>
+          <a:lstStyle/>
+          <a:p>
+            <a:endParaRPr lang="da-DK"/>
+          </a:p>
+        </p:txBody>
+      </p:sp>
+      <p:sp>
+        <p:nvSpPr>
+          <p:cNvPr id="4" name="Pladsholder til slidenummer 3"/>
+          <p:cNvSpPr>
+            <a:spLocks noGrp="1"/>
+          </p:cNvSpPr>
+          <p:nvPr>
+            <p:ph type="sldNum" sz="quarter" idx="5"/>
+          </p:nvPr>
+        </p:nvSpPr>
+        <p:spPr/>
+        <p:txBody>
+          <a:bodyPr/>
+          <a:lstStyle/>
+          <a:p>
+            <a:fld id="{6167FD1A-B837-43AD-874C-AEA416430BAD}" type="slidenum">
+              <a:rPr lang="da-DK" smtClean="0"/>
+              <a:t>2</a:t>
+            </a:fld>
+            <a:endParaRPr lang="da-DK"/>
+          </a:p>
+        </p:txBody>
+      </p:sp>
+    </p:spTree>
+    <p:extLst>
+      <p:ext uri="{BB962C8B-B14F-4D97-AF65-F5344CB8AC3E}">
+        <p14:creationId xmlns:p14="http://schemas.microsoft.com/office/powerpoint/2010/main" val="1430001550"/>
+      </p:ext>
+    </p:extLst>
+  </p:cSld>
+  <p:clrMapOvr>
+    <a:masterClrMapping/>
+  </p:clrMapOvr>
+</p:notes>
 </file>
 
 <file path=ppt/slideLayouts/slideLayout1.xml><?xml version="1.0" encoding="utf-8"?>
@@ -927,7 +1372,7 @@
           <a:p>
             <a:fld id="{7CF0BCE0-945C-4FDF-95A1-2149B1FF5B83}" type="datetimeFigureOut">
               <a:rPr lang="en-US" smtClean="0"/>
-              <a:t>1/16/2026</a:t>
+              <a:t>1/29/2026</a:t>
             </a:fld>
             <a:endParaRPr lang="en-US"/>
           </a:p>
@@ -1654,7 +2099,7 @@
           <a:p>
             <a:fld id="{7CF0BCE0-945C-4FDF-95A1-2149B1FF5B83}" type="datetimeFigureOut">
               <a:rPr lang="en-US" smtClean="0"/>
-              <a:t>1/16/2026</a:t>
+              <a:t>1/29/2026</a:t>
             </a:fld>
             <a:endParaRPr lang="en-US"/>
           </a:p>
@@ -2527,7 +2972,7 @@
           <a:p>
             <a:fld id="{7CF0BCE0-945C-4FDF-95A1-2149B1FF5B83}" type="datetimeFigureOut">
               <a:rPr lang="en-US" smtClean="0"/>
-              <a:t>1/16/2026</a:t>
+              <a:t>1/29/2026</a:t>
             </a:fld>
             <a:endParaRPr lang="en-US"/>
           </a:p>
@@ -3231,7 +3676,7 @@
           <a:p>
             <a:fld id="{7CF0BCE0-945C-4FDF-95A1-2149B1FF5B83}" type="datetimeFigureOut">
               <a:rPr lang="en-US" smtClean="0"/>
-              <a:t>1/16/2026</a:t>
+              <a:t>1/29/2026</a:t>
             </a:fld>
             <a:endParaRPr lang="en-US"/>
           </a:p>
@@ -3941,7 +4386,7 @@
           <a:p>
             <a:fld id="{7CF0BCE0-945C-4FDF-95A1-2149B1FF5B83}" type="datetimeFigureOut">
               <a:rPr lang="en-US" smtClean="0"/>
-              <a:t>1/16/2026</a:t>
+              <a:t>1/29/2026</a:t>
             </a:fld>
             <a:endParaRPr lang="en-US" dirty="0"/>
           </a:p>
@@ -4878,7 +5323,7 @@
           <a:p>
             <a:fld id="{7CF0BCE0-945C-4FDF-95A1-2149B1FF5B83}" type="datetimeFigureOut">
               <a:rPr lang="en-US" smtClean="0"/>
-              <a:t>1/16/2026</a:t>
+              <a:t>1/29/2026</a:t>
             </a:fld>
             <a:endParaRPr lang="en-US"/>
           </a:p>
@@ -6098,7 +6543,7 @@
           <a:p>
             <a:fld id="{7CF0BCE0-945C-4FDF-95A1-2149B1FF5B83}" type="datetimeFigureOut">
               <a:rPr lang="en-US" smtClean="0"/>
-              <a:t>1/16/2026</a:t>
+              <a:t>1/29/2026</a:t>
             </a:fld>
             <a:endParaRPr lang="en-US"/>
           </a:p>
@@ -6764,7 +7209,7 @@
           <a:p>
             <a:fld id="{7CF0BCE0-945C-4FDF-95A1-2149B1FF5B83}" type="datetimeFigureOut">
               <a:rPr lang="en-US" smtClean="0"/>
-              <a:t>1/16/2026</a:t>
+              <a:t>1/29/2026</a:t>
             </a:fld>
             <a:endParaRPr lang="en-US"/>
           </a:p>
@@ -7533,7 +7978,7 @@
           <a:p>
             <a:fld id="{7CF0BCE0-945C-4FDF-95A1-2149B1FF5B83}" type="datetimeFigureOut">
               <a:rPr lang="en-US" smtClean="0"/>
-              <a:t>1/16/2026</a:t>
+              <a:t>1/29/2026</a:t>
             </a:fld>
             <a:endParaRPr lang="en-US"/>
           </a:p>
@@ -8645,7 +9090,7 @@
           <a:p>
             <a:fld id="{7CF0BCE0-945C-4FDF-95A1-2149B1FF5B83}" type="datetimeFigureOut">
               <a:rPr lang="en-US" smtClean="0"/>
-              <a:t>1/16/2026</a:t>
+              <a:t>1/29/2026</a:t>
             </a:fld>
             <a:endParaRPr lang="en-US"/>
           </a:p>
@@ -9453,7 +9898,7 @@
           <a:p>
             <a:fld id="{7CF0BCE0-945C-4FDF-95A1-2149B1FF5B83}" type="datetimeFigureOut">
               <a:rPr lang="en-US" smtClean="0"/>
-              <a:t>1/16/2026</a:t>
+              <a:t>1/29/2026</a:t>
             </a:fld>
             <a:endParaRPr lang="en-US"/>
           </a:p>
@@ -9737,7 +10182,7 @@
             <a:fld id="{7CF0BCE0-945C-4FDF-95A1-2149B1FF5B83}" type="datetimeFigureOut">
               <a:rPr lang="en-US" smtClean="0"/>
               <a:pPr algn="r"/>
-              <a:t>1/16/2026</a:t>
+              <a:t>1/29/2026</a:t>
             </a:fld>
             <a:endParaRPr lang="en-US" dirty="0"/>
           </a:p>
@@ -11361,6 +11806,1043 @@
 </file>
 
 <file path=ppt/slides/slide10.xml><?xml version="1.0" encoding="utf-8"?>
+<p:sld xmlns:a="http://schemas.openxmlformats.org/drawingml/2006/main" xmlns:r="http://schemas.openxmlformats.org/officeDocument/2006/relationships" xmlns:p="http://schemas.openxmlformats.org/presentationml/2006/main">
+  <p:cSld>
+    <p:bg>
+      <p:bgPr>
+        <a:solidFill>
+          <a:schemeClr val="bg1"/>
+        </a:solidFill>
+        <a:effectLst/>
+      </p:bgPr>
+    </p:bg>
+    <p:spTree>
+      <p:nvGrpSpPr>
+        <p:cNvPr id="1" name="">
+          <a:extLst>
+            <a:ext uri="{FF2B5EF4-FFF2-40B4-BE49-F238E27FC236}">
+              <a16:creationId xmlns:a16="http://schemas.microsoft.com/office/drawing/2014/main" id="{5637325C-FD2E-5B4E-27B0-40221AFFC96F}"/>
+            </a:ext>
+          </a:extLst>
+        </p:cNvPr>
+        <p:cNvGrpSpPr/>
+        <p:nvPr/>
+      </p:nvGrpSpPr>
+      <p:grpSpPr>
+        <a:xfrm>
+          <a:off x="0" y="0"/>
+          <a:ext cx="0" cy="0"/>
+          <a:chOff x="0" y="0"/>
+          <a:chExt cx="0" cy="0"/>
+        </a:xfrm>
+      </p:grpSpPr>
+      <p:sp useBgFill="1">
+        <p:nvSpPr>
+          <p:cNvPr id="10" name="Rectangle 9">
+            <a:extLst>
+              <a:ext uri="{FF2B5EF4-FFF2-40B4-BE49-F238E27FC236}">
+                <a16:creationId xmlns:a16="http://schemas.microsoft.com/office/drawing/2014/main" id="{7D2FD795-8DF5-44F0-8664-4D8F626DD85A}"/>
+              </a:ext>
+              <a:ext uri="{C183D7F6-B498-43B3-948B-1728B52AA6E4}">
+                <adec:decorative xmlns:adec="http://schemas.microsoft.com/office/drawing/2017/decorative" val="1"/>
+              </a:ext>
+            </a:extLst>
+          </p:cNvPr>
+          <p:cNvSpPr>
+            <a:spLocks noGrp="1" noRot="1" noChangeAspect="1" noMove="1" noResize="1" noEditPoints="1" noAdjustHandles="1" noChangeArrowheads="1" noChangeShapeType="1" noTextEdit="1"/>
+          </p:cNvSpPr>
+          <p:nvPr>
+            <p:extLst>
+              <p:ext uri="{386F3935-93C4-4BCD-93E2-E3B085C9AB24}">
+                <p16:designElem xmlns:p16="http://schemas.microsoft.com/office/powerpoint/2015/main" val="1"/>
+              </p:ext>
+            </p:extLst>
+          </p:nvPr>
+        </p:nvSpPr>
+        <p:spPr>
+          <a:xfrm>
+            <a:off x="0" y="0"/>
+            <a:ext cx="12192000" cy="6858000"/>
+          </a:xfrm>
+          <a:prstGeom prst="rect">
+            <a:avLst/>
+          </a:prstGeom>
+          <a:ln w="12700" cap="flat" cmpd="sng" algn="ctr">
+            <a:noFill/>
+            <a:prstDash val="solid"/>
+            <a:miter lim="800000"/>
+          </a:ln>
+          <a:effectLst/>
+          <a:extLst>
+            <a:ext uri="{91240B29-F687-4F45-9708-019B960494DF}">
+              <a14:hiddenLine xmlns:a14="http://schemas.microsoft.com/office/drawing/2010/main" w="12700" cap="flat" cmpd="sng" algn="ctr">
+                <a:solidFill>
+                  <a:schemeClr val="accent1">
+                    <a:shade val="50000"/>
+                  </a:schemeClr>
+                </a:solidFill>
+                <a:prstDash val="solid"/>
+                <a:miter lim="800000"/>
+              </a14:hiddenLine>
+            </a:ext>
+          </a:extLst>
+        </p:spPr>
+        <p:style>
+          <a:lnRef idx="2">
+            <a:schemeClr val="accent1">
+              <a:shade val="50000"/>
+            </a:schemeClr>
+          </a:lnRef>
+          <a:fillRef idx="1">
+            <a:schemeClr val="accent1"/>
+          </a:fillRef>
+          <a:effectRef idx="0">
+            <a:schemeClr val="accent1"/>
+          </a:effectRef>
+          <a:fontRef idx="minor">
+            <a:schemeClr val="lt1"/>
+          </a:fontRef>
+        </p:style>
+        <p:txBody>
+          <a:bodyPr rtlCol="0" anchor="ctr"/>
+          <a:lstStyle/>
+          <a:p>
+            <a:pPr algn="ctr"/>
+            <a:endParaRPr lang="en-US"/>
+          </a:p>
+        </p:txBody>
+      </p:sp>
+      <p:grpSp>
+        <p:nvGrpSpPr>
+          <p:cNvPr id="23" name="Group 11">
+            <a:extLst>
+              <a:ext uri="{FF2B5EF4-FFF2-40B4-BE49-F238E27FC236}">
+                <a16:creationId xmlns:a16="http://schemas.microsoft.com/office/drawing/2014/main" id="{7C6B683D-13FA-4605-8648-01FC9C82FEC8}"/>
+              </a:ext>
+              <a:ext uri="{C183D7F6-B498-43B3-948B-1728B52AA6E4}">
+                <adec:decorative xmlns:adec="http://schemas.microsoft.com/office/drawing/2017/decorative" val="1"/>
+              </a:ext>
+            </a:extLst>
+          </p:cNvPr>
+          <p:cNvGrpSpPr>
+            <a:grpSpLocks noGrp="1" noUngrp="1" noRot="1" noChangeAspect="1" noMove="1" noResize="1"/>
+          </p:cNvGrpSpPr>
+          <p:nvPr>
+            <p:extLst>
+              <p:ext uri="{386F3935-93C4-4BCD-93E2-E3B085C9AB24}">
+                <p16:designElem xmlns:p16="http://schemas.microsoft.com/office/powerpoint/2015/main" val="1"/>
+              </p:ext>
+            </p:extLst>
+          </p:nvPr>
+        </p:nvGrpSpPr>
+        <p:grpSpPr>
+          <a:xfrm>
+            <a:off x="1" y="0"/>
+            <a:ext cx="12191999" cy="6861600"/>
+            <a:chOff x="1" y="0"/>
+            <a:chExt cx="12191999" cy="6861600"/>
+          </a:xfrm>
+        </p:grpSpPr>
+        <p:sp>
+          <p:nvSpPr>
+            <p:cNvPr id="25" name="Rectangle 12">
+              <a:extLst>
+                <a:ext uri="{FF2B5EF4-FFF2-40B4-BE49-F238E27FC236}">
+                  <a16:creationId xmlns:a16="http://schemas.microsoft.com/office/drawing/2014/main" id="{9852A959-AA36-4E4C-940B-F33A7BE0ABCF}"/>
+                </a:ext>
+                <a:ext uri="{C183D7F6-B498-43B3-948B-1728B52AA6E4}">
+                  <adec:decorative xmlns:adec="http://schemas.microsoft.com/office/drawing/2017/decorative" val="1"/>
+                </a:ext>
+              </a:extLst>
+            </p:cNvPr>
+            <p:cNvSpPr>
+              <a:spLocks noChangeAspect="1"/>
+            </p:cNvSpPr>
+            <p:nvPr>
+              <p:extLst>
+                <p:ext uri="{386F3935-93C4-4BCD-93E2-E3B085C9AB24}">
+                  <p16:designElem xmlns:p16="http://schemas.microsoft.com/office/powerpoint/2015/main" val="1"/>
+                </p:ext>
+              </p:extLst>
+            </p:nvPr>
+          </p:nvSpPr>
+          <p:spPr>
+            <a:xfrm rot="16200000">
+              <a:off x="1" y="1640114"/>
+              <a:ext cx="5217886" cy="5217886"/>
+            </a:xfrm>
+            <a:prstGeom prst="rect">
+              <a:avLst/>
+            </a:prstGeom>
+            <a:gradFill flip="none" rotWithShape="1">
+              <a:gsLst>
+                <a:gs pos="0">
+                  <a:schemeClr val="accent2">
+                    <a:alpha val="60000"/>
+                  </a:schemeClr>
+                </a:gs>
+                <a:gs pos="60000">
+                  <a:schemeClr val="accent2">
+                    <a:alpha val="0"/>
+                  </a:schemeClr>
+                </a:gs>
+              </a:gsLst>
+              <a:path path="circle">
+                <a:fillToRect r="100000" b="100000"/>
+              </a:path>
+              <a:tileRect l="-100000" t="-100000"/>
+            </a:gradFill>
+            <a:ln w="12700" cap="flat" cmpd="sng" algn="ctr">
+              <a:noFill/>
+              <a:prstDash val="solid"/>
+              <a:miter lim="800000"/>
+            </a:ln>
+            <a:effectLst/>
+          </p:spPr>
+          <p:style>
+            <a:lnRef idx="2">
+              <a:schemeClr val="accent1">
+                <a:shade val="50000"/>
+              </a:schemeClr>
+            </a:lnRef>
+            <a:fillRef idx="1">
+              <a:schemeClr val="accent1"/>
+            </a:fillRef>
+            <a:effectRef idx="0">
+              <a:schemeClr val="accent1"/>
+            </a:effectRef>
+            <a:fontRef idx="minor">
+              <a:schemeClr val="lt1"/>
+            </a:fontRef>
+          </p:style>
+          <p:txBody>
+            <a:bodyPr rtlCol="0" anchor="ctr"/>
+            <a:lstStyle/>
+            <a:p>
+              <a:pPr algn="ctr"/>
+              <a:endParaRPr lang="en-US"/>
+            </a:p>
+          </p:txBody>
+        </p:sp>
+        <p:sp>
+          <p:nvSpPr>
+            <p:cNvPr id="26" name="Oval 13">
+              <a:extLst>
+                <a:ext uri="{FF2B5EF4-FFF2-40B4-BE49-F238E27FC236}">
+                  <a16:creationId xmlns:a16="http://schemas.microsoft.com/office/drawing/2014/main" id="{FFFC38A9-EA65-4BD6-A6E1-CAD07CCB8105}"/>
+                </a:ext>
+                <a:ext uri="{C183D7F6-B498-43B3-948B-1728B52AA6E4}">
+                  <adec:decorative xmlns:adec="http://schemas.microsoft.com/office/drawing/2017/decorative" val="1"/>
+                </a:ext>
+              </a:extLst>
+            </p:cNvPr>
+            <p:cNvSpPr>
+              <a:spLocks noChangeAspect="1"/>
+            </p:cNvSpPr>
+            <p:nvPr>
+              <p:extLst>
+                <p:ext uri="{386F3935-93C4-4BCD-93E2-E3B085C9AB24}">
+                  <p16:designElem xmlns:p16="http://schemas.microsoft.com/office/powerpoint/2015/main" val="1"/>
+                </p:ext>
+              </p:extLst>
+            </p:nvPr>
+          </p:nvSpPr>
+          <p:spPr>
+            <a:xfrm>
+              <a:off x="6384514" y="0"/>
+              <a:ext cx="4320000" cy="4320000"/>
+            </a:xfrm>
+            <a:prstGeom prst="ellipse">
+              <a:avLst/>
+            </a:prstGeom>
+            <a:solidFill>
+              <a:schemeClr val="accent3">
+                <a:alpha val="96000"/>
+              </a:schemeClr>
+            </a:solidFill>
+            <a:ln>
+              <a:noFill/>
+            </a:ln>
+            <a:effectLst>
+              <a:softEdge rad="1016000"/>
+            </a:effectLst>
+          </p:spPr>
+          <p:style>
+            <a:lnRef idx="2">
+              <a:schemeClr val="accent1">
+                <a:shade val="50000"/>
+              </a:schemeClr>
+            </a:lnRef>
+            <a:fillRef idx="1">
+              <a:schemeClr val="accent1"/>
+            </a:fillRef>
+            <a:effectRef idx="0">
+              <a:schemeClr val="accent1"/>
+            </a:effectRef>
+            <a:fontRef idx="minor">
+              <a:schemeClr val="lt1"/>
+            </a:fontRef>
+          </p:style>
+          <p:txBody>
+            <a:bodyPr rtlCol="0" anchor="ctr"/>
+            <a:lstStyle/>
+            <a:p>
+              <a:pPr algn="ctr"/>
+              <a:endParaRPr lang="en-US"/>
+            </a:p>
+          </p:txBody>
+        </p:sp>
+        <p:sp>
+          <p:nvSpPr>
+            <p:cNvPr id="27" name="Oval 14">
+              <a:extLst>
+                <a:ext uri="{FF2B5EF4-FFF2-40B4-BE49-F238E27FC236}">
+                  <a16:creationId xmlns:a16="http://schemas.microsoft.com/office/drawing/2014/main" id="{F9E36CA9-9013-4306-B36F-2E349B6FEDB6}"/>
+                </a:ext>
+                <a:ext uri="{C183D7F6-B498-43B3-948B-1728B52AA6E4}">
+                  <adec:decorative xmlns:adec="http://schemas.microsoft.com/office/drawing/2017/decorative" val="1"/>
+                </a:ext>
+              </a:extLst>
+            </p:cNvPr>
+            <p:cNvSpPr>
+              <a:spLocks noChangeAspect="1"/>
+            </p:cNvSpPr>
+            <p:nvPr>
+              <p:extLst>
+                <p:ext uri="{386F3935-93C4-4BCD-93E2-E3B085C9AB24}">
+                  <p16:designElem xmlns:p16="http://schemas.microsoft.com/office/powerpoint/2015/main" val="1"/>
+                </p:ext>
+              </p:extLst>
+            </p:nvPr>
+          </p:nvSpPr>
+          <p:spPr>
+            <a:xfrm>
+              <a:off x="6119057" y="1230054"/>
+              <a:ext cx="5506886" cy="5506886"/>
+            </a:xfrm>
+            <a:prstGeom prst="ellipse">
+              <a:avLst/>
+            </a:prstGeom>
+            <a:solidFill>
+              <a:schemeClr val="accent2">
+                <a:alpha val="60000"/>
+              </a:schemeClr>
+            </a:solidFill>
+            <a:ln>
+              <a:noFill/>
+            </a:ln>
+            <a:effectLst>
+              <a:softEdge rad="1270000"/>
+            </a:effectLst>
+          </p:spPr>
+          <p:style>
+            <a:lnRef idx="2">
+              <a:schemeClr val="accent1">
+                <a:shade val="50000"/>
+              </a:schemeClr>
+            </a:lnRef>
+            <a:fillRef idx="1">
+              <a:schemeClr val="accent1"/>
+            </a:fillRef>
+            <a:effectRef idx="0">
+              <a:schemeClr val="accent1"/>
+            </a:effectRef>
+            <a:fontRef idx="minor">
+              <a:schemeClr val="lt1"/>
+            </a:fontRef>
+          </p:style>
+          <p:txBody>
+            <a:bodyPr rtlCol="0" anchor="ctr"/>
+            <a:lstStyle/>
+            <a:p>
+              <a:pPr algn="ctr"/>
+              <a:endParaRPr lang="en-US" dirty="0"/>
+            </a:p>
+          </p:txBody>
+        </p:sp>
+        <p:grpSp>
+          <p:nvGrpSpPr>
+            <p:cNvPr id="28" name="Group 15">
+              <a:extLst>
+                <a:ext uri="{FF2B5EF4-FFF2-40B4-BE49-F238E27FC236}">
+                  <a16:creationId xmlns:a16="http://schemas.microsoft.com/office/drawing/2014/main" id="{CE8D3FFE-4362-43F6-99D3-1B83F7AD5946}"/>
+                </a:ext>
+                <a:ext uri="{C183D7F6-B498-43B3-948B-1728B52AA6E4}">
+                  <adec:decorative xmlns:adec="http://schemas.microsoft.com/office/drawing/2017/decorative" val="1"/>
+                </a:ext>
+              </a:extLst>
+            </p:cNvPr>
+            <p:cNvGrpSpPr>
+              <a:grpSpLocks noChangeAspect="1"/>
+            </p:cNvGrpSpPr>
+            <p:nvPr>
+              <p:extLst>
+                <p:ext uri="{386F3935-93C4-4BCD-93E2-E3B085C9AB24}">
+                  <p16:designElem xmlns:p16="http://schemas.microsoft.com/office/powerpoint/2015/main" val="1"/>
+                </p:ext>
+              </p:extLst>
+            </p:nvPr>
+          </p:nvGrpSpPr>
+          <p:grpSpPr>
+            <a:xfrm>
+              <a:off x="690092" y="0"/>
+              <a:ext cx="10800000" cy="6858000"/>
+              <a:chOff x="2328000" y="0"/>
+              <a:chExt cx="2880000" cy="1440000"/>
+            </a:xfrm>
+          </p:grpSpPr>
+          <p:sp>
+            <p:nvSpPr>
+              <p:cNvPr id="21" name="Rectangle 20">
+                <a:extLst>
+                  <a:ext uri="{FF2B5EF4-FFF2-40B4-BE49-F238E27FC236}">
+                    <a16:creationId xmlns:a16="http://schemas.microsoft.com/office/drawing/2014/main" id="{F7AA39D6-8796-468A-8C18-D17C0BBF21AB}"/>
+                  </a:ext>
+                  <a:ext uri="{C183D7F6-B498-43B3-948B-1728B52AA6E4}">
+                    <adec:decorative xmlns:adec="http://schemas.microsoft.com/office/drawing/2017/decorative" val="1"/>
+                  </a:ext>
+                </a:extLst>
+              </p:cNvPr>
+              <p:cNvSpPr/>
+              <p:nvPr>
+                <p:extLst>
+                  <p:ext uri="{386F3935-93C4-4BCD-93E2-E3B085C9AB24}">
+                    <p16:designElem xmlns:p16="http://schemas.microsoft.com/office/powerpoint/2015/main" val="1"/>
+                  </p:ext>
+                </p:extLst>
+              </p:nvPr>
+            </p:nvSpPr>
+            <p:spPr>
+              <a:xfrm>
+                <a:off x="3768000" y="0"/>
+                <a:ext cx="1440000" cy="1440000"/>
+              </a:xfrm>
+              <a:prstGeom prst="rect">
+                <a:avLst/>
+              </a:prstGeom>
+              <a:gradFill flip="none" rotWithShape="1">
+                <a:gsLst>
+                  <a:gs pos="0">
+                    <a:schemeClr val="accent1"/>
+                  </a:gs>
+                  <a:gs pos="60000">
+                    <a:schemeClr val="accent1">
+                      <a:alpha val="0"/>
+                    </a:schemeClr>
+                  </a:gs>
+                </a:gsLst>
+                <a:path path="circle">
+                  <a:fillToRect r="100000" b="100000"/>
+                </a:path>
+                <a:tileRect l="-100000" t="-100000"/>
+              </a:gradFill>
+              <a:ln w="12700" cap="flat" cmpd="sng" algn="ctr">
+                <a:noFill/>
+                <a:prstDash val="solid"/>
+                <a:miter lim="800000"/>
+              </a:ln>
+              <a:effectLst/>
+            </p:spPr>
+            <p:style>
+              <a:lnRef idx="2">
+                <a:schemeClr val="accent1">
+                  <a:shade val="50000"/>
+                </a:schemeClr>
+              </a:lnRef>
+              <a:fillRef idx="1">
+                <a:schemeClr val="accent1"/>
+              </a:fillRef>
+              <a:effectRef idx="0">
+                <a:schemeClr val="accent1"/>
+              </a:effectRef>
+              <a:fontRef idx="minor">
+                <a:schemeClr val="lt1"/>
+              </a:fontRef>
+            </p:style>
+            <p:txBody>
+              <a:bodyPr rtlCol="0" anchor="ctr"/>
+              <a:lstStyle/>
+              <a:p>
+                <a:pPr algn="ctr"/>
+                <a:endParaRPr lang="en-US"/>
+              </a:p>
+            </p:txBody>
+          </p:sp>
+          <p:sp>
+            <p:nvSpPr>
+              <p:cNvPr id="22" name="Rectangle 21">
+                <a:extLst>
+                  <a:ext uri="{FF2B5EF4-FFF2-40B4-BE49-F238E27FC236}">
+                    <a16:creationId xmlns:a16="http://schemas.microsoft.com/office/drawing/2014/main" id="{75967788-298A-4B75-B02F-0625E5F84835}"/>
+                  </a:ext>
+                  <a:ext uri="{C183D7F6-B498-43B3-948B-1728B52AA6E4}">
+                    <adec:decorative xmlns:adec="http://schemas.microsoft.com/office/drawing/2017/decorative" val="1"/>
+                  </a:ext>
+                </a:extLst>
+              </p:cNvPr>
+              <p:cNvSpPr/>
+              <p:nvPr>
+                <p:extLst>
+                  <p:ext uri="{386F3935-93C4-4BCD-93E2-E3B085C9AB24}">
+                    <p16:designElem xmlns:p16="http://schemas.microsoft.com/office/powerpoint/2015/main" val="1"/>
+                  </p:ext>
+                </p:extLst>
+              </p:nvPr>
+            </p:nvSpPr>
+            <p:spPr>
+              <a:xfrm flipH="1">
+                <a:off x="2328000" y="0"/>
+                <a:ext cx="1440000" cy="1440000"/>
+              </a:xfrm>
+              <a:prstGeom prst="rect">
+                <a:avLst/>
+              </a:prstGeom>
+              <a:gradFill flip="none" rotWithShape="1">
+                <a:gsLst>
+                  <a:gs pos="0">
+                    <a:schemeClr val="accent1"/>
+                  </a:gs>
+                  <a:gs pos="60000">
+                    <a:schemeClr val="accent1">
+                      <a:alpha val="0"/>
+                    </a:schemeClr>
+                  </a:gs>
+                </a:gsLst>
+                <a:path path="circle">
+                  <a:fillToRect r="100000" b="100000"/>
+                </a:path>
+                <a:tileRect l="-100000" t="-100000"/>
+              </a:gradFill>
+              <a:ln w="12700" cap="flat" cmpd="sng" algn="ctr">
+                <a:noFill/>
+                <a:prstDash val="solid"/>
+                <a:miter lim="800000"/>
+              </a:ln>
+              <a:effectLst/>
+            </p:spPr>
+            <p:style>
+              <a:lnRef idx="2">
+                <a:schemeClr val="accent1">
+                  <a:shade val="50000"/>
+                </a:schemeClr>
+              </a:lnRef>
+              <a:fillRef idx="1">
+                <a:schemeClr val="accent1"/>
+              </a:fillRef>
+              <a:effectRef idx="0">
+                <a:schemeClr val="accent1"/>
+              </a:effectRef>
+              <a:fontRef idx="minor">
+                <a:schemeClr val="lt1"/>
+              </a:fontRef>
+            </p:style>
+            <p:txBody>
+              <a:bodyPr rtlCol="0" anchor="ctr"/>
+              <a:lstStyle/>
+              <a:p>
+                <a:pPr algn="ctr"/>
+                <a:endParaRPr lang="en-US"/>
+              </a:p>
+            </p:txBody>
+          </p:sp>
+        </p:grpSp>
+        <p:grpSp>
+          <p:nvGrpSpPr>
+            <p:cNvPr id="29" name="Group 16">
+              <a:extLst>
+                <a:ext uri="{FF2B5EF4-FFF2-40B4-BE49-F238E27FC236}">
+                  <a16:creationId xmlns:a16="http://schemas.microsoft.com/office/drawing/2014/main" id="{8D0FB4E1-29BE-427B-9999-B25351A07CB1}"/>
+                </a:ext>
+                <a:ext uri="{C183D7F6-B498-43B3-948B-1728B52AA6E4}">
+                  <adec:decorative xmlns:adec="http://schemas.microsoft.com/office/drawing/2017/decorative" val="1"/>
+                </a:ext>
+              </a:extLst>
+            </p:cNvPr>
+            <p:cNvGrpSpPr>
+              <a:grpSpLocks noChangeAspect="1"/>
+            </p:cNvGrpSpPr>
+            <p:nvPr>
+              <p:extLst>
+                <p:ext uri="{386F3935-93C4-4BCD-93E2-E3B085C9AB24}">
+                  <p16:designElem xmlns:p16="http://schemas.microsoft.com/office/powerpoint/2015/main" val="1"/>
+                </p:ext>
+              </p:extLst>
+            </p:nvPr>
+          </p:nvGrpSpPr>
+          <p:grpSpPr>
+            <a:xfrm rot="5400000">
+              <a:off x="7048499" y="1714500"/>
+              <a:ext cx="6858000" cy="3429000"/>
+              <a:chOff x="0" y="0"/>
+              <a:chExt cx="2880000" cy="1440000"/>
+            </a:xfrm>
+          </p:grpSpPr>
+          <p:sp>
+            <p:nvSpPr>
+              <p:cNvPr id="19" name="Rectangle 18">
+                <a:extLst>
+                  <a:ext uri="{FF2B5EF4-FFF2-40B4-BE49-F238E27FC236}">
+                    <a16:creationId xmlns:a16="http://schemas.microsoft.com/office/drawing/2014/main" id="{39914662-C165-4AD1-89C0-F6C47C109031}"/>
+                  </a:ext>
+                  <a:ext uri="{C183D7F6-B498-43B3-948B-1728B52AA6E4}">
+                    <adec:decorative xmlns:adec="http://schemas.microsoft.com/office/drawing/2017/decorative" val="1"/>
+                  </a:ext>
+                </a:extLst>
+              </p:cNvPr>
+              <p:cNvSpPr/>
+              <p:nvPr>
+                <p:extLst>
+                  <p:ext uri="{386F3935-93C4-4BCD-93E2-E3B085C9AB24}">
+                    <p16:designElem xmlns:p16="http://schemas.microsoft.com/office/powerpoint/2015/main" val="1"/>
+                  </p:ext>
+                </p:extLst>
+              </p:nvPr>
+            </p:nvSpPr>
+            <p:spPr>
+              <a:xfrm>
+                <a:off x="1440000" y="0"/>
+                <a:ext cx="1440000" cy="1440000"/>
+              </a:xfrm>
+              <a:prstGeom prst="rect">
+                <a:avLst/>
+              </a:prstGeom>
+              <a:gradFill flip="none" rotWithShape="1">
+                <a:gsLst>
+                  <a:gs pos="0">
+                    <a:schemeClr val="accent2"/>
+                  </a:gs>
+                  <a:gs pos="60000">
+                    <a:schemeClr val="accent2">
+                      <a:alpha val="0"/>
+                    </a:schemeClr>
+                  </a:gs>
+                </a:gsLst>
+                <a:path path="circle">
+                  <a:fillToRect r="100000" b="100000"/>
+                </a:path>
+                <a:tileRect l="-100000" t="-100000"/>
+              </a:gradFill>
+              <a:ln w="12700" cap="flat" cmpd="sng" algn="ctr">
+                <a:noFill/>
+                <a:prstDash val="solid"/>
+                <a:miter lim="800000"/>
+              </a:ln>
+              <a:effectLst/>
+            </p:spPr>
+            <p:style>
+              <a:lnRef idx="2">
+                <a:schemeClr val="accent1">
+                  <a:shade val="50000"/>
+                </a:schemeClr>
+              </a:lnRef>
+              <a:fillRef idx="1">
+                <a:schemeClr val="accent1"/>
+              </a:fillRef>
+              <a:effectRef idx="0">
+                <a:schemeClr val="accent1"/>
+              </a:effectRef>
+              <a:fontRef idx="minor">
+                <a:schemeClr val="lt1"/>
+              </a:fontRef>
+            </p:style>
+            <p:txBody>
+              <a:bodyPr rtlCol="0" anchor="ctr"/>
+              <a:lstStyle/>
+              <a:p>
+                <a:pPr algn="ctr"/>
+                <a:endParaRPr lang="en-US"/>
+              </a:p>
+            </p:txBody>
+          </p:sp>
+          <p:sp>
+            <p:nvSpPr>
+              <p:cNvPr id="20" name="Rectangle 19">
+                <a:extLst>
+                  <a:ext uri="{FF2B5EF4-FFF2-40B4-BE49-F238E27FC236}">
+                    <a16:creationId xmlns:a16="http://schemas.microsoft.com/office/drawing/2014/main" id="{384C8199-BC83-4D02-8937-CF9AB0F4CF1E}"/>
+                  </a:ext>
+                  <a:ext uri="{C183D7F6-B498-43B3-948B-1728B52AA6E4}">
+                    <adec:decorative xmlns:adec="http://schemas.microsoft.com/office/drawing/2017/decorative" val="1"/>
+                  </a:ext>
+                </a:extLst>
+              </p:cNvPr>
+              <p:cNvSpPr/>
+              <p:nvPr>
+                <p:extLst>
+                  <p:ext uri="{386F3935-93C4-4BCD-93E2-E3B085C9AB24}">
+                    <p16:designElem xmlns:p16="http://schemas.microsoft.com/office/powerpoint/2015/main" val="1"/>
+                  </p:ext>
+                </p:extLst>
+              </p:nvPr>
+            </p:nvSpPr>
+            <p:spPr>
+              <a:xfrm flipH="1">
+                <a:off x="0" y="0"/>
+                <a:ext cx="1440000" cy="1440000"/>
+              </a:xfrm>
+              <a:prstGeom prst="rect">
+                <a:avLst/>
+              </a:prstGeom>
+              <a:gradFill flip="none" rotWithShape="1">
+                <a:gsLst>
+                  <a:gs pos="0">
+                    <a:schemeClr val="accent2"/>
+                  </a:gs>
+                  <a:gs pos="60000">
+                    <a:schemeClr val="accent2">
+                      <a:alpha val="0"/>
+                    </a:schemeClr>
+                  </a:gs>
+                </a:gsLst>
+                <a:path path="circle">
+                  <a:fillToRect r="100000" b="100000"/>
+                </a:path>
+                <a:tileRect l="-100000" t="-100000"/>
+              </a:gradFill>
+              <a:ln w="12700" cap="flat" cmpd="sng" algn="ctr">
+                <a:noFill/>
+                <a:prstDash val="solid"/>
+                <a:miter lim="800000"/>
+              </a:ln>
+              <a:effectLst/>
+            </p:spPr>
+            <p:style>
+              <a:lnRef idx="2">
+                <a:schemeClr val="accent1">
+                  <a:shade val="50000"/>
+                </a:schemeClr>
+              </a:lnRef>
+              <a:fillRef idx="1">
+                <a:schemeClr val="accent1"/>
+              </a:fillRef>
+              <a:effectRef idx="0">
+                <a:schemeClr val="accent1"/>
+              </a:effectRef>
+              <a:fontRef idx="minor">
+                <a:schemeClr val="lt1"/>
+              </a:fontRef>
+            </p:style>
+            <p:txBody>
+              <a:bodyPr rtlCol="0" anchor="ctr"/>
+              <a:lstStyle/>
+              <a:p>
+                <a:pPr algn="ctr"/>
+                <a:endParaRPr lang="en-US"/>
+              </a:p>
+            </p:txBody>
+          </p:sp>
+        </p:grpSp>
+        <p:sp>
+          <p:nvSpPr>
+            <p:cNvPr id="18" name="Rectangle 17">
+              <a:extLst>
+                <a:ext uri="{FF2B5EF4-FFF2-40B4-BE49-F238E27FC236}">
+                  <a16:creationId xmlns:a16="http://schemas.microsoft.com/office/drawing/2014/main" id="{4A28F3F3-1D22-45C2-8627-C7E4E74BDD00}"/>
+                </a:ext>
+                <a:ext uri="{C183D7F6-B498-43B3-948B-1728B52AA6E4}">
+                  <adec:decorative xmlns:adec="http://schemas.microsoft.com/office/drawing/2017/decorative" val="1"/>
+                </a:ext>
+              </a:extLst>
+            </p:cNvPr>
+            <p:cNvSpPr>
+              <a:spLocks noChangeAspect="1"/>
+            </p:cNvSpPr>
+            <p:nvPr>
+              <p:extLst>
+                <p:ext uri="{386F3935-93C4-4BCD-93E2-E3B085C9AB24}">
+                  <p16:designElem xmlns:p16="http://schemas.microsoft.com/office/powerpoint/2015/main" val="1"/>
+                </p:ext>
+              </p:extLst>
+            </p:nvPr>
+          </p:nvSpPr>
+          <p:spPr>
+            <a:xfrm rot="10800000">
+              <a:off x="5602287" y="271887"/>
+              <a:ext cx="6589713" cy="6589713"/>
+            </a:xfrm>
+            <a:prstGeom prst="rect">
+              <a:avLst/>
+            </a:prstGeom>
+            <a:gradFill flip="none" rotWithShape="1">
+              <a:gsLst>
+                <a:gs pos="0">
+                  <a:schemeClr val="accent3"/>
+                </a:gs>
+                <a:gs pos="60000">
+                  <a:schemeClr val="accent3">
+                    <a:alpha val="0"/>
+                  </a:schemeClr>
+                </a:gs>
+              </a:gsLst>
+              <a:path path="circle">
+                <a:fillToRect r="100000" b="100000"/>
+              </a:path>
+              <a:tileRect l="-100000" t="-100000"/>
+            </a:gradFill>
+            <a:ln w="12700" cap="flat" cmpd="sng" algn="ctr">
+              <a:noFill/>
+              <a:prstDash val="solid"/>
+              <a:miter lim="800000"/>
+            </a:ln>
+            <a:effectLst/>
+          </p:spPr>
+          <p:style>
+            <a:lnRef idx="2">
+              <a:schemeClr val="accent1">
+                <a:shade val="50000"/>
+              </a:schemeClr>
+            </a:lnRef>
+            <a:fillRef idx="1">
+              <a:schemeClr val="accent1"/>
+            </a:fillRef>
+            <a:effectRef idx="0">
+              <a:schemeClr val="accent1"/>
+            </a:effectRef>
+            <a:fontRef idx="minor">
+              <a:schemeClr val="lt1"/>
+            </a:fontRef>
+          </p:style>
+          <p:txBody>
+            <a:bodyPr rtlCol="0" anchor="ctr"/>
+            <a:lstStyle/>
+            <a:p>
+              <a:pPr algn="ctr"/>
+              <a:endParaRPr lang="en-US"/>
+            </a:p>
+          </p:txBody>
+        </p:sp>
+      </p:grpSp>
+      <p:sp>
+        <p:nvSpPr>
+          <p:cNvPr id="24" name="Rectangle 23">
+            <a:extLst>
+              <a:ext uri="{FF2B5EF4-FFF2-40B4-BE49-F238E27FC236}">
+                <a16:creationId xmlns:a16="http://schemas.microsoft.com/office/drawing/2014/main" id="{9D8267F7-1115-4F9A-BEF5-BB6664BCF0DB}"/>
+              </a:ext>
+              <a:ext uri="{C183D7F6-B498-43B3-948B-1728B52AA6E4}">
+                <adec:decorative xmlns:adec="http://schemas.microsoft.com/office/drawing/2017/decorative" val="1"/>
+              </a:ext>
+            </a:extLst>
+          </p:cNvPr>
+          <p:cNvSpPr>
+            <a:spLocks noGrp="1" noRot="1" noChangeAspect="1" noMove="1" noResize="1" noEditPoints="1" noAdjustHandles="1" noChangeArrowheads="1" noChangeShapeType="1" noTextEdit="1"/>
+          </p:cNvSpPr>
+          <p:nvPr>
+            <p:extLst>
+              <p:ext uri="{386F3935-93C4-4BCD-93E2-E3B085C9AB24}">
+                <p16:designElem xmlns:p16="http://schemas.microsoft.com/office/powerpoint/2015/main" val="1"/>
+              </p:ext>
+            </p:extLst>
+          </p:nvPr>
+        </p:nvSpPr>
+        <p:spPr>
+          <a:xfrm flipH="1">
+            <a:off x="0" y="0"/>
+            <a:ext cx="12192000" cy="6858000"/>
+          </a:xfrm>
+          <a:prstGeom prst="rect">
+            <a:avLst/>
+          </a:prstGeom>
+          <a:gradFill>
+            <a:gsLst>
+              <a:gs pos="0">
+                <a:schemeClr val="bg2">
+                  <a:alpha val="40000"/>
+                </a:schemeClr>
+              </a:gs>
+              <a:gs pos="100000">
+                <a:schemeClr val="bg2">
+                  <a:alpha val="80000"/>
+                </a:schemeClr>
+              </a:gs>
+            </a:gsLst>
+            <a:lin ang="0" scaled="1"/>
+          </a:gradFill>
+          <a:ln w="12700" cap="flat" cmpd="sng" algn="ctr">
+            <a:noFill/>
+            <a:prstDash val="solid"/>
+            <a:miter lim="800000"/>
+          </a:ln>
+          <a:effectLst/>
+        </p:spPr>
+        <p:style>
+          <a:lnRef idx="2">
+            <a:schemeClr val="accent1">
+              <a:shade val="50000"/>
+            </a:schemeClr>
+          </a:lnRef>
+          <a:fillRef idx="1">
+            <a:schemeClr val="accent1"/>
+          </a:fillRef>
+          <a:effectRef idx="0">
+            <a:schemeClr val="accent1"/>
+          </a:effectRef>
+          <a:fontRef idx="minor">
+            <a:schemeClr val="lt1"/>
+          </a:fontRef>
+        </p:style>
+        <p:txBody>
+          <a:bodyPr rtlCol="0" anchor="ctr"/>
+          <a:lstStyle/>
+          <a:p>
+            <a:endParaRPr lang="en-US" dirty="0"/>
+          </a:p>
+        </p:txBody>
+      </p:sp>
+      <p:sp>
+        <p:nvSpPr>
+          <p:cNvPr id="2" name="Titel 1">
+            <a:extLst>
+              <a:ext uri="{FF2B5EF4-FFF2-40B4-BE49-F238E27FC236}">
+                <a16:creationId xmlns:a16="http://schemas.microsoft.com/office/drawing/2014/main" id="{7F1A74E0-4A84-F0D3-D7E5-D3D059A103C6}"/>
+              </a:ext>
+            </a:extLst>
+          </p:cNvPr>
+          <p:cNvSpPr>
+            <a:spLocks noGrp="1"/>
+          </p:cNvSpPr>
+          <p:nvPr>
+            <p:ph type="title"/>
+          </p:nvPr>
+        </p:nvSpPr>
+        <p:spPr>
+          <a:xfrm>
+            <a:off x="7086315" y="545126"/>
+            <a:ext cx="4554821" cy="2186096"/>
+          </a:xfrm>
+        </p:spPr>
+        <p:txBody>
+          <a:bodyPr anchor="t">
+            <a:normAutofit/>
+          </a:bodyPr>
+          <a:lstStyle/>
+          <a:p>
+            <a:r>
+              <a:rPr lang="en-GB" sz="5100"/>
+              <a:t>Communication Interface</a:t>
+            </a:r>
+            <a:endParaRPr lang="en-DK" sz="5100"/>
+          </a:p>
+        </p:txBody>
+      </p:sp>
+      <p:pic>
+        <p:nvPicPr>
+          <p:cNvPr id="5" name="Billede 4" descr="Et billede, der indeholder skærmbillede, tekst, software, Multimediesoftware&#10;&#10;AI-genereret indhold kan være ukorrekt.">
+            <a:extLst>
+              <a:ext uri="{FF2B5EF4-FFF2-40B4-BE49-F238E27FC236}">
+                <a16:creationId xmlns:a16="http://schemas.microsoft.com/office/drawing/2014/main" id="{E5C19211-3744-DD2D-2F6F-1578BBC6F853}"/>
+              </a:ext>
+            </a:extLst>
+          </p:cNvPr>
+          <p:cNvPicPr>
+            <a:picLocks noChangeAspect="1"/>
+          </p:cNvPicPr>
+          <p:nvPr/>
+        </p:nvPicPr>
+        <p:blipFill>
+          <a:blip r:embed="rId2"/>
+          <a:stretch>
+            <a:fillRect/>
+          </a:stretch>
+        </p:blipFill>
+        <p:spPr>
+          <a:xfrm>
+            <a:off x="540000" y="2312728"/>
+            <a:ext cx="6049714" cy="2223269"/>
+          </a:xfrm>
+          <a:prstGeom prst="rect">
+            <a:avLst/>
+          </a:prstGeom>
+        </p:spPr>
+      </p:pic>
+      <p:sp>
+        <p:nvSpPr>
+          <p:cNvPr id="3" name="Pladsholder til indhold 2">
+            <a:extLst>
+              <a:ext uri="{FF2B5EF4-FFF2-40B4-BE49-F238E27FC236}">
+                <a16:creationId xmlns:a16="http://schemas.microsoft.com/office/drawing/2014/main" id="{63E6808E-9411-6145-3275-D1E3A60F52C5}"/>
+              </a:ext>
+            </a:extLst>
+          </p:cNvPr>
+          <p:cNvSpPr>
+            <a:spLocks noGrp="1"/>
+          </p:cNvSpPr>
+          <p:nvPr>
+            <p:ph idx="1"/>
+          </p:nvPr>
+        </p:nvSpPr>
+        <p:spPr>
+          <a:xfrm>
+            <a:off x="7104063" y="2947121"/>
+            <a:ext cx="4537073" cy="3361604"/>
+          </a:xfrm>
+        </p:spPr>
+        <p:txBody>
+          <a:bodyPr anchor="t">
+            <a:normAutofit/>
+          </a:bodyPr>
+          <a:lstStyle/>
+          <a:p>
+            <a:pPr marL="0" indent="0">
+              <a:buNone/>
+            </a:pPr>
+            <a:r>
+              <a:rPr lang="en-GB" b="1"/>
+              <a:t>Supported Commands</a:t>
+            </a:r>
+          </a:p>
+          <a:p>
+            <a:r>
+              <a:rPr lang="en-GB"/>
+              <a:t>Read status</a:t>
+            </a:r>
+          </a:p>
+          <a:p>
+            <a:r>
+              <a:rPr lang="en-GB"/>
+              <a:t>Set TX parameters</a:t>
+            </a:r>
+          </a:p>
+          <a:p>
+            <a:r>
+              <a:rPr lang="en-GB"/>
+              <a:t>Start / stop TX</a:t>
+            </a:r>
+          </a:p>
+          <a:p>
+            <a:r>
+              <a:rPr lang="en-GB"/>
+              <a:t>Request sampled data</a:t>
+            </a:r>
+          </a:p>
+          <a:p>
+            <a:r>
+              <a:rPr lang="en-GB"/>
+              <a:t>Flash read/write</a:t>
+            </a:r>
+          </a:p>
+          <a:p>
+            <a:pPr marL="0" indent="0">
+              <a:buNone/>
+            </a:pPr>
+            <a:endParaRPr lang="en-DK"/>
+          </a:p>
+        </p:txBody>
+      </p:sp>
+    </p:spTree>
+    <p:extLst>
+      <p:ext uri="{BB962C8B-B14F-4D97-AF65-F5344CB8AC3E}">
+        <p14:creationId xmlns:p14="http://schemas.microsoft.com/office/powerpoint/2010/main" val="129700778"/>
+      </p:ext>
+    </p:extLst>
+  </p:cSld>
+  <p:clrMapOvr>
+    <a:masterClrMapping/>
+  </p:clrMapOvr>
+</p:sld>
+</file>
+
+<file path=ppt/slides/slide11.xml><?xml version="1.0" encoding="utf-8"?>
 <p:sld xmlns:a="http://schemas.openxmlformats.org/drawingml/2006/main" xmlns:r="http://schemas.openxmlformats.org/officeDocument/2006/relationships" xmlns:p="http://schemas.openxmlformats.org/presentationml/2006/main">
   <p:cSld>
     <p:bg>
@@ -12325,7 +13807,7 @@
 </p:sld>
 </file>
 
-<file path=ppt/slides/slide11.xml><?xml version="1.0" encoding="utf-8"?>
+<file path=ppt/slides/slide12.xml><?xml version="1.0" encoding="utf-8"?>
 <p:sld xmlns:a="http://schemas.openxmlformats.org/drawingml/2006/main" xmlns:r="http://schemas.openxmlformats.org/officeDocument/2006/relationships" xmlns:p="http://schemas.openxmlformats.org/presentationml/2006/main">
   <p:cSld>
     <p:spTree>
@@ -12433,6 +13915,925 @@
 </file>
 
 <file path=ppt/slides/slide2.xml><?xml version="1.0" encoding="utf-8"?>
+<p:sld xmlns:a="http://schemas.openxmlformats.org/drawingml/2006/main" xmlns:r="http://schemas.openxmlformats.org/officeDocument/2006/relationships" xmlns:p="http://schemas.openxmlformats.org/presentationml/2006/main">
+  <p:cSld>
+    <p:spTree>
+      <p:nvGrpSpPr>
+        <p:cNvPr id="1" name=""/>
+        <p:cNvGrpSpPr/>
+        <p:nvPr/>
+      </p:nvGrpSpPr>
+      <p:grpSpPr>
+        <a:xfrm>
+          <a:off x="0" y="0"/>
+          <a:ext cx="0" cy="0"/>
+          <a:chOff x="0" y="0"/>
+          <a:chExt cx="0" cy="0"/>
+        </a:xfrm>
+      </p:grpSpPr>
+      <p:pic>
+        <p:nvPicPr>
+          <p:cNvPr id="6" name="Billede 5" descr="Et billede, der indeholder tekst, avis, Publikation/tidsskrift/artikel, Avis">
+            <a:extLst>
+              <a:ext uri="{FF2B5EF4-FFF2-40B4-BE49-F238E27FC236}">
+                <a16:creationId xmlns:a16="http://schemas.microsoft.com/office/drawing/2014/main" id="{FD753F5A-9DC1-3306-2BDE-0A6C8457C8FC}"/>
+              </a:ext>
+            </a:extLst>
+          </p:cNvPr>
+          <p:cNvPicPr>
+            <a:picLocks noChangeAspect="1"/>
+          </p:cNvPicPr>
+          <p:nvPr/>
+        </p:nvPicPr>
+        <p:blipFill>
+          <a:blip r:embed="rId3">
+            <a:alphaModFix amt="40000"/>
+            <a:extLst>
+              <a:ext uri="{28A0092B-C50C-407E-A947-70E740481C1C}">
+                <a14:useLocalDpi xmlns:a14="http://schemas.microsoft.com/office/drawing/2010/main" val="0"/>
+              </a:ext>
+            </a:extLst>
+          </a:blip>
+          <a:srcRect r="7586"/>
+          <a:stretch>
+            <a:fillRect/>
+          </a:stretch>
+        </p:blipFill>
+        <p:spPr>
+          <a:xfrm>
+            <a:off x="20" y="10"/>
+            <a:ext cx="8450297" cy="6857990"/>
+          </a:xfrm>
+          <a:prstGeom prst="rect">
+            <a:avLst/>
+          </a:prstGeom>
+        </p:spPr>
+      </p:pic>
+      <p:sp>
+        <p:nvSpPr>
+          <p:cNvPr id="2" name="Titel 1">
+            <a:extLst>
+              <a:ext uri="{FF2B5EF4-FFF2-40B4-BE49-F238E27FC236}">
+                <a16:creationId xmlns:a16="http://schemas.microsoft.com/office/drawing/2014/main" id="{916144BE-A01F-9400-442B-2597D6543D3A}"/>
+              </a:ext>
+            </a:extLst>
+          </p:cNvPr>
+          <p:cNvSpPr>
+            <a:spLocks noGrp="1"/>
+          </p:cNvSpPr>
+          <p:nvPr>
+            <p:ph type="title"/>
+          </p:nvPr>
+        </p:nvSpPr>
+        <p:spPr>
+          <a:xfrm>
+            <a:off x="838201" y="365125"/>
+            <a:ext cx="5251316" cy="1627636"/>
+          </a:xfrm>
+        </p:spPr>
+        <p:txBody>
+          <a:bodyPr vert="horz" lIns="91440" tIns="45720" rIns="91440" bIns="45720" rtlCol="0" anchor="ctr">
+            <a:normAutofit/>
+          </a:bodyPr>
+          <a:lstStyle/>
+          <a:p>
+            <a:r>
+              <a:rPr lang="en-US" kern="1200">
+                <a:solidFill>
+                  <a:srgbClr val="FFFFFF"/>
+                </a:solidFill>
+                <a:latin typeface="+mj-lt"/>
+                <a:ea typeface="+mj-ea"/>
+                <a:cs typeface="+mj-cs"/>
+              </a:rPr>
+              <a:t>Hvem er jeg?</a:t>
+            </a:r>
+          </a:p>
+        </p:txBody>
+      </p:sp>
+      <p:sp>
+        <p:nvSpPr>
+          <p:cNvPr id="4" name="Tekstfelt 3">
+            <a:extLst>
+              <a:ext uri="{FF2B5EF4-FFF2-40B4-BE49-F238E27FC236}">
+                <a16:creationId xmlns:a16="http://schemas.microsoft.com/office/drawing/2014/main" id="{BB57662C-8160-E81C-438B-1CEF6CFCDC49}"/>
+              </a:ext>
+            </a:extLst>
+          </p:cNvPr>
+          <p:cNvSpPr txBox="1"/>
+          <p:nvPr/>
+        </p:nvSpPr>
+        <p:spPr>
+          <a:xfrm>
+            <a:off x="838200" y="2219785"/>
+            <a:ext cx="4619621" cy="3957178"/>
+          </a:xfrm>
+          <a:prstGeom prst="rect">
+            <a:avLst/>
+          </a:prstGeom>
+        </p:spPr>
+        <p:txBody>
+          <a:bodyPr vert="horz" lIns="91440" tIns="45720" rIns="91440" bIns="45720" rtlCol="0">
+            <a:normAutofit/>
+          </a:bodyPr>
+          <a:lstStyle/>
+          <a:p>
+            <a:pPr marL="214313" indent="-228600">
+              <a:lnSpc>
+                <a:spcPct val="90000"/>
+              </a:lnSpc>
+              <a:spcAft>
+                <a:spcPts val="600"/>
+              </a:spcAft>
+              <a:buFont typeface="Arial" panose="020B0604020202020204" pitchFamily="34" charset="0"/>
+              <a:buChar char="•"/>
+            </a:pPr>
+            <a:r>
+              <a:rPr lang="en-US" sz="2000">
+                <a:solidFill>
+                  <a:srgbClr val="FFFFFF"/>
+                </a:solidFill>
+              </a:rPr>
+              <a:t>Navn: Gert Lauritsen</a:t>
+            </a:r>
+          </a:p>
+          <a:p>
+            <a:pPr marL="214313" indent="-228600">
+              <a:lnSpc>
+                <a:spcPct val="90000"/>
+              </a:lnSpc>
+              <a:spcAft>
+                <a:spcPts val="600"/>
+              </a:spcAft>
+              <a:buFont typeface="Arial" panose="020B0604020202020204" pitchFamily="34" charset="0"/>
+              <a:buChar char="•"/>
+            </a:pPr>
+            <a:r>
+              <a:rPr lang="en-US" sz="2000">
+                <a:solidFill>
+                  <a:srgbClr val="FFFFFF"/>
+                </a:solidFill>
+              </a:rPr>
+              <a:t>Bedrifter:</a:t>
+            </a:r>
+          </a:p>
+          <a:p>
+            <a:pPr marL="557213" lvl="1" indent="-228600">
+              <a:lnSpc>
+                <a:spcPct val="90000"/>
+              </a:lnSpc>
+              <a:spcAft>
+                <a:spcPts val="600"/>
+              </a:spcAft>
+              <a:buFont typeface="Arial" panose="020B0604020202020204" pitchFamily="34" charset="0"/>
+              <a:buChar char="•"/>
+            </a:pPr>
+            <a:r>
+              <a:rPr lang="en-US" sz="2000">
+                <a:solidFill>
+                  <a:srgbClr val="FFFFFF"/>
+                </a:solidFill>
+              </a:rPr>
+              <a:t>Svagstrømsingeniør</a:t>
+            </a:r>
+          </a:p>
+          <a:p>
+            <a:pPr marL="557213" lvl="1" indent="-228600">
+              <a:lnSpc>
+                <a:spcPct val="90000"/>
+              </a:lnSpc>
+              <a:spcAft>
+                <a:spcPts val="600"/>
+              </a:spcAft>
+              <a:buFont typeface="Arial" panose="020B0604020202020204" pitchFamily="34" charset="0"/>
+              <a:buChar char="•"/>
+            </a:pPr>
+            <a:r>
+              <a:rPr lang="en-US" sz="2000">
+                <a:solidFill>
+                  <a:srgbClr val="FFFFFF"/>
+                </a:solidFill>
+              </a:rPr>
+              <a:t>Medskifter af Skytem</a:t>
+            </a:r>
+          </a:p>
+          <a:p>
+            <a:pPr marL="557213" lvl="1" indent="-228600">
+              <a:lnSpc>
+                <a:spcPct val="90000"/>
+              </a:lnSpc>
+              <a:spcAft>
+                <a:spcPts val="600"/>
+              </a:spcAft>
+              <a:buFont typeface="Arial" panose="020B0604020202020204" pitchFamily="34" charset="0"/>
+              <a:buChar char="•"/>
+            </a:pPr>
+            <a:r>
+              <a:rPr lang="en-US" sz="2000">
+                <a:solidFill>
+                  <a:srgbClr val="FFFFFF"/>
+                </a:solidFill>
+              </a:rPr>
+              <a:t>SW&amp;HW udvikler</a:t>
+            </a:r>
+          </a:p>
+          <a:p>
+            <a:pPr marL="214313" indent="-228600">
+              <a:lnSpc>
+                <a:spcPct val="90000"/>
+              </a:lnSpc>
+              <a:spcAft>
+                <a:spcPts val="600"/>
+              </a:spcAft>
+              <a:buFont typeface="Arial" panose="020B0604020202020204" pitchFamily="34" charset="0"/>
+              <a:buChar char="•"/>
+            </a:pPr>
+            <a:r>
+              <a:rPr lang="en-US" sz="2000">
+                <a:solidFill>
+                  <a:srgbClr val="FFFFFF"/>
+                </a:solidFill>
+              </a:rPr>
+              <a:t>Hobby og Fritid:</a:t>
+            </a:r>
+          </a:p>
+          <a:p>
+            <a:pPr marL="557213" lvl="1" indent="-228600">
+              <a:lnSpc>
+                <a:spcPct val="90000"/>
+              </a:lnSpc>
+              <a:spcAft>
+                <a:spcPts val="600"/>
+              </a:spcAft>
+              <a:buFont typeface="Arial" panose="020B0604020202020204" pitchFamily="34" charset="0"/>
+              <a:buChar char="•"/>
+            </a:pPr>
+            <a:r>
+              <a:rPr lang="en-DK" sz="2000">
+                <a:solidFill>
+                  <a:srgbClr val="FFFFFF"/>
+                </a:solidFill>
+              </a:rPr>
+              <a:t>Vinterbader</a:t>
+            </a:r>
+            <a:endParaRPr lang="en-US" sz="2000">
+              <a:solidFill>
+                <a:srgbClr val="FFFFFF"/>
+              </a:solidFill>
+            </a:endParaRPr>
+          </a:p>
+          <a:p>
+            <a:pPr marL="557213" lvl="1" indent="-228600">
+              <a:lnSpc>
+                <a:spcPct val="90000"/>
+              </a:lnSpc>
+              <a:spcAft>
+                <a:spcPts val="600"/>
+              </a:spcAft>
+              <a:buFont typeface="Arial" panose="020B0604020202020204" pitchFamily="34" charset="0"/>
+              <a:buChar char="•"/>
+            </a:pPr>
+            <a:r>
+              <a:rPr lang="en-US" sz="2000">
+                <a:solidFill>
+                  <a:srgbClr val="FFFFFF"/>
+                </a:solidFill>
+              </a:rPr>
+              <a:t>3 børn, kone, hus og Elbil</a:t>
+            </a:r>
+          </a:p>
+        </p:txBody>
+      </p:sp>
+      <p:pic>
+        <p:nvPicPr>
+          <p:cNvPr id="7" name="Billede 6" descr="Et billede, der indeholder Ansigt, person, tøj, Pande&#10;&#10;AI-genereret indhold kan være ukorrekt.">
+            <a:extLst>
+              <a:ext uri="{FF2B5EF4-FFF2-40B4-BE49-F238E27FC236}">
+                <a16:creationId xmlns:a16="http://schemas.microsoft.com/office/drawing/2014/main" id="{D50D7EAC-9965-84C1-F905-89A5A0E77435}"/>
+              </a:ext>
+            </a:extLst>
+          </p:cNvPr>
+          <p:cNvPicPr>
+            <a:picLocks noChangeAspect="1"/>
+          </p:cNvPicPr>
+          <p:nvPr/>
+        </p:nvPicPr>
+        <p:blipFill>
+          <a:blip r:embed="rId4"/>
+          <a:srcRect t="401" r="-1" b="11901"/>
+          <a:stretch>
+            <a:fillRect/>
+          </a:stretch>
+        </p:blipFill>
+        <p:spPr>
+          <a:xfrm>
+            <a:off x="6225997" y="10"/>
+            <a:ext cx="5962785" cy="6857990"/>
+          </a:xfrm>
+          <a:custGeom>
+            <a:avLst/>
+            <a:gdLst/>
+            <a:ahLst/>
+            <a:cxnLst/>
+            <a:rect l="l" t="t" r="r" b="b"/>
+            <a:pathLst>
+              <a:path w="5962785" h="6858000">
+                <a:moveTo>
+                  <a:pt x="1044839" y="0"/>
+                </a:moveTo>
+                <a:lnTo>
+                  <a:pt x="5962785" y="0"/>
+                </a:lnTo>
+                <a:lnTo>
+                  <a:pt x="5962785" y="6858000"/>
+                </a:lnTo>
+                <a:lnTo>
+                  <a:pt x="1469886" y="6858000"/>
+                </a:lnTo>
+                <a:lnTo>
+                  <a:pt x="1416006" y="6823984"/>
+                </a:lnTo>
+                <a:cubicBezTo>
+                  <a:pt x="1356767" y="6787940"/>
+                  <a:pt x="1296437" y="6755500"/>
+                  <a:pt x="1232473" y="6733873"/>
+                </a:cubicBezTo>
+                <a:cubicBezTo>
+                  <a:pt x="1145250" y="6705037"/>
+                  <a:pt x="1060933" y="6654575"/>
+                  <a:pt x="1075471" y="6503186"/>
+                </a:cubicBezTo>
+                <a:cubicBezTo>
+                  <a:pt x="1078378" y="6459932"/>
+                  <a:pt x="1055118" y="6427493"/>
+                  <a:pt x="1020229" y="6438306"/>
+                </a:cubicBezTo>
+                <a:cubicBezTo>
+                  <a:pt x="953358" y="6459932"/>
+                  <a:pt x="921375" y="6398656"/>
+                  <a:pt x="883579" y="6351798"/>
+                </a:cubicBezTo>
+                <a:cubicBezTo>
+                  <a:pt x="816707" y="6268895"/>
+                  <a:pt x="752743" y="6182387"/>
+                  <a:pt x="645167" y="6167969"/>
+                </a:cubicBezTo>
+                <a:cubicBezTo>
+                  <a:pt x="665519" y="6103088"/>
+                  <a:pt x="700408" y="6110298"/>
+                  <a:pt x="732391" y="6124716"/>
+                </a:cubicBezTo>
+                <a:cubicBezTo>
+                  <a:pt x="816707" y="6160761"/>
+                  <a:pt x="901023" y="6200410"/>
+                  <a:pt x="985339" y="6236455"/>
+                </a:cubicBezTo>
+                <a:cubicBezTo>
+                  <a:pt x="1040581" y="6258081"/>
+                  <a:pt x="1095822" y="6290522"/>
+                  <a:pt x="1168509" y="6265291"/>
+                </a:cubicBezTo>
+                <a:cubicBezTo>
+                  <a:pt x="1104545" y="6135530"/>
+                  <a:pt x="996969" y="6110298"/>
+                  <a:pt x="909746" y="6070649"/>
+                </a:cubicBezTo>
+                <a:cubicBezTo>
+                  <a:pt x="802169" y="6020185"/>
+                  <a:pt x="738206" y="5926470"/>
+                  <a:pt x="659704" y="5818335"/>
+                </a:cubicBezTo>
+                <a:cubicBezTo>
+                  <a:pt x="738206" y="5789500"/>
+                  <a:pt x="787632" y="5868798"/>
+                  <a:pt x="851597" y="5865193"/>
+                </a:cubicBezTo>
+                <a:cubicBezTo>
+                  <a:pt x="854504" y="5854380"/>
+                  <a:pt x="860319" y="5832753"/>
+                  <a:pt x="860319" y="5832753"/>
+                </a:cubicBezTo>
+                <a:cubicBezTo>
+                  <a:pt x="755650" y="5775081"/>
+                  <a:pt x="709132" y="5666947"/>
+                  <a:pt x="691686" y="5533581"/>
+                </a:cubicBezTo>
+                <a:cubicBezTo>
+                  <a:pt x="685872" y="5465095"/>
+                  <a:pt x="648075" y="5443468"/>
+                  <a:pt x="610278" y="5411029"/>
+                </a:cubicBezTo>
+                <a:cubicBezTo>
+                  <a:pt x="482350" y="5299289"/>
+                  <a:pt x="345700" y="5198364"/>
+                  <a:pt x="238123" y="5046976"/>
+                </a:cubicBezTo>
+                <a:cubicBezTo>
+                  <a:pt x="363144" y="5064998"/>
+                  <a:pt x="461997" y="5165924"/>
+                  <a:pt x="592833" y="5209177"/>
+                </a:cubicBezTo>
+                <a:cubicBezTo>
+                  <a:pt x="488165" y="5043371"/>
+                  <a:pt x="351514" y="4956864"/>
+                  <a:pt x="226494" y="4855939"/>
+                </a:cubicBezTo>
+                <a:cubicBezTo>
+                  <a:pt x="168344" y="4809081"/>
+                  <a:pt x="116011" y="4751408"/>
+                  <a:pt x="49139" y="4726177"/>
+                </a:cubicBezTo>
+                <a:cubicBezTo>
+                  <a:pt x="25879" y="4718968"/>
+                  <a:pt x="-14825" y="4700947"/>
+                  <a:pt x="5527" y="4650483"/>
+                </a:cubicBezTo>
+                <a:cubicBezTo>
+                  <a:pt x="22972" y="4607230"/>
+                  <a:pt x="54954" y="4621648"/>
+                  <a:pt x="84029" y="4632460"/>
+                </a:cubicBezTo>
+                <a:cubicBezTo>
+                  <a:pt x="153807" y="4661296"/>
+                  <a:pt x="229401" y="4661296"/>
+                  <a:pt x="325347" y="4661296"/>
+                </a:cubicBezTo>
+                <a:cubicBezTo>
+                  <a:pt x="243939" y="4524326"/>
+                  <a:pt x="95658" y="4567580"/>
+                  <a:pt x="25879" y="4423401"/>
+                </a:cubicBezTo>
+                <a:cubicBezTo>
+                  <a:pt x="113103" y="4398170"/>
+                  <a:pt x="179975" y="4448632"/>
+                  <a:pt x="249753" y="4459446"/>
+                </a:cubicBezTo>
+                <a:cubicBezTo>
+                  <a:pt x="313718" y="4470259"/>
+                  <a:pt x="328254" y="4445028"/>
+                  <a:pt x="313718" y="4365729"/>
+                </a:cubicBezTo>
+                <a:cubicBezTo>
+                  <a:pt x="290458" y="4243177"/>
+                  <a:pt x="325347" y="4181900"/>
+                  <a:pt x="418386" y="4214341"/>
+                </a:cubicBezTo>
+                <a:cubicBezTo>
+                  <a:pt x="505609" y="4246781"/>
+                  <a:pt x="514332" y="4199922"/>
+                  <a:pt x="491072" y="4131438"/>
+                </a:cubicBezTo>
+                <a:cubicBezTo>
+                  <a:pt x="456183" y="4030512"/>
+                  <a:pt x="493979" y="3951214"/>
+                  <a:pt x="520147" y="3864706"/>
+                </a:cubicBezTo>
+                <a:cubicBezTo>
+                  <a:pt x="560851" y="3734945"/>
+                  <a:pt x="543407" y="3670064"/>
+                  <a:pt x="459090" y="3572743"/>
+                </a:cubicBezTo>
+                <a:cubicBezTo>
+                  <a:pt x="409664" y="3518676"/>
+                  <a:pt x="360236" y="3471818"/>
+                  <a:pt x="290458" y="3424959"/>
+                </a:cubicBezTo>
+                <a:cubicBezTo>
+                  <a:pt x="450368" y="3399728"/>
+                  <a:pt x="284643" y="3313221"/>
+                  <a:pt x="339884" y="3259153"/>
+                </a:cubicBezTo>
+                <a:cubicBezTo>
+                  <a:pt x="453275" y="3237527"/>
+                  <a:pt x="543407" y="3410542"/>
+                  <a:pt x="697501" y="3360078"/>
+                </a:cubicBezTo>
+                <a:cubicBezTo>
+                  <a:pt x="511425" y="3212294"/>
+                  <a:pt x="302087" y="3165436"/>
+                  <a:pt x="165437" y="2967190"/>
+                </a:cubicBezTo>
+                <a:cubicBezTo>
+                  <a:pt x="197419" y="2923937"/>
+                  <a:pt x="229401" y="2967190"/>
+                  <a:pt x="255568" y="2949167"/>
+                </a:cubicBezTo>
+                <a:cubicBezTo>
+                  <a:pt x="255568" y="2938354"/>
+                  <a:pt x="560851" y="3006840"/>
+                  <a:pt x="578296" y="2725691"/>
+                </a:cubicBezTo>
+                <a:cubicBezTo>
+                  <a:pt x="584111" y="2725691"/>
+                  <a:pt x="589926" y="2725691"/>
+                  <a:pt x="595740" y="2714876"/>
+                </a:cubicBezTo>
+                <a:cubicBezTo>
+                  <a:pt x="627722" y="2675228"/>
+                  <a:pt x="598648" y="2581510"/>
+                  <a:pt x="650982" y="2574301"/>
+                </a:cubicBezTo>
+                <a:cubicBezTo>
+                  <a:pt x="709132" y="2567092"/>
+                  <a:pt x="764373" y="2534653"/>
+                  <a:pt x="825429" y="2552674"/>
+                </a:cubicBezTo>
+                <a:cubicBezTo>
+                  <a:pt x="871949" y="2567092"/>
+                  <a:pt x="921375" y="2585115"/>
+                  <a:pt x="970802" y="2585115"/>
+                </a:cubicBezTo>
+                <a:cubicBezTo>
+                  <a:pt x="1023136" y="2585115"/>
+                  <a:pt x="1095822" y="2707668"/>
+                  <a:pt x="1127805" y="2545465"/>
+                </a:cubicBezTo>
+                <a:cubicBezTo>
+                  <a:pt x="1127805" y="2538257"/>
+                  <a:pt x="1217936" y="2556280"/>
+                  <a:pt x="1267362" y="2563488"/>
+                </a:cubicBezTo>
+                <a:cubicBezTo>
+                  <a:pt x="1308067" y="2570698"/>
+                  <a:pt x="1357494" y="2603137"/>
+                  <a:pt x="1386568" y="2538257"/>
+                </a:cubicBezTo>
+                <a:cubicBezTo>
+                  <a:pt x="1401105" y="2498607"/>
+                  <a:pt x="1331326" y="2426518"/>
+                  <a:pt x="1270270" y="2419309"/>
+                </a:cubicBezTo>
+                <a:cubicBezTo>
+                  <a:pt x="1215029" y="2412101"/>
+                  <a:pt x="1159787" y="2404892"/>
+                  <a:pt x="1107453" y="2419309"/>
+                </a:cubicBezTo>
+                <a:cubicBezTo>
+                  <a:pt x="1043489" y="2437331"/>
+                  <a:pt x="1008599" y="2408495"/>
+                  <a:pt x="991154" y="2343615"/>
+                </a:cubicBezTo>
+                <a:cubicBezTo>
+                  <a:pt x="970802" y="2275131"/>
+                  <a:pt x="933005" y="2239085"/>
+                  <a:pt x="880671" y="2206645"/>
+                </a:cubicBezTo>
+                <a:cubicBezTo>
+                  <a:pt x="752743" y="2127346"/>
+                  <a:pt x="630630" y="2033629"/>
+                  <a:pt x="491072" y="1986771"/>
+                </a:cubicBezTo>
+                <a:cubicBezTo>
+                  <a:pt x="464905" y="1979562"/>
+                  <a:pt x="432923" y="1965145"/>
+                  <a:pt x="421293" y="1903868"/>
+                </a:cubicBezTo>
+                <a:cubicBezTo>
+                  <a:pt x="799262" y="1997584"/>
+                  <a:pt x="1142342" y="2239085"/>
+                  <a:pt x="1531941" y="2224667"/>
+                </a:cubicBezTo>
+                <a:cubicBezTo>
+                  <a:pt x="1427272" y="2148974"/>
+                  <a:pt x="1302252" y="2145369"/>
+                  <a:pt x="1188861" y="2091301"/>
+                </a:cubicBezTo>
+                <a:cubicBezTo>
+                  <a:pt x="1270270" y="2051652"/>
+                  <a:pt x="1345864" y="2094906"/>
+                  <a:pt x="1421458" y="2116532"/>
+                </a:cubicBezTo>
+                <a:cubicBezTo>
+                  <a:pt x="1485422" y="2134554"/>
+                  <a:pt x="1543571" y="2138160"/>
+                  <a:pt x="1549386" y="2026420"/>
+                </a:cubicBezTo>
+                <a:cubicBezTo>
+                  <a:pt x="1549386" y="2015607"/>
+                  <a:pt x="1549386" y="2008398"/>
+                  <a:pt x="1549386" y="1997584"/>
+                </a:cubicBezTo>
+                <a:cubicBezTo>
+                  <a:pt x="1526126" y="1950727"/>
+                  <a:pt x="1494144" y="1929099"/>
+                  <a:pt x="1453440" y="1914682"/>
+                </a:cubicBezTo>
+                <a:cubicBezTo>
+                  <a:pt x="1430180" y="1907473"/>
+                  <a:pt x="1398198" y="1893056"/>
+                  <a:pt x="1398198" y="1860614"/>
+                </a:cubicBezTo>
+                <a:cubicBezTo>
+                  <a:pt x="1401105" y="1738063"/>
+                  <a:pt x="1322604" y="1702018"/>
+                  <a:pt x="1247011" y="1665972"/>
+                </a:cubicBezTo>
+                <a:cubicBezTo>
+                  <a:pt x="1287715" y="1604696"/>
+                  <a:pt x="1322604" y="1647950"/>
+                  <a:pt x="1354586" y="1644345"/>
+                </a:cubicBezTo>
+                <a:cubicBezTo>
+                  <a:pt x="1374939" y="1640741"/>
+                  <a:pt x="1395290" y="1637138"/>
+                  <a:pt x="1395290" y="1604696"/>
+                </a:cubicBezTo>
+                <a:cubicBezTo>
+                  <a:pt x="1395290" y="1579465"/>
+                  <a:pt x="1386568" y="1547025"/>
+                  <a:pt x="1366216" y="1547025"/>
+                </a:cubicBezTo>
+                <a:cubicBezTo>
+                  <a:pt x="1238288" y="1543420"/>
+                  <a:pt x="1165601" y="1370405"/>
+                  <a:pt x="1031858" y="1370405"/>
+                </a:cubicBezTo>
+                <a:cubicBezTo>
+                  <a:pt x="950450" y="1370405"/>
+                  <a:pt x="1072563" y="1273083"/>
+                  <a:pt x="1005692" y="1233435"/>
+                </a:cubicBezTo>
+                <a:cubicBezTo>
+                  <a:pt x="991154" y="1222621"/>
+                  <a:pt x="1046396" y="1208203"/>
+                  <a:pt x="1069655" y="1211808"/>
+                </a:cubicBezTo>
+                <a:cubicBezTo>
+                  <a:pt x="1092915" y="1215412"/>
+                  <a:pt x="1113268" y="1240644"/>
+                  <a:pt x="1142342" y="1222621"/>
+                </a:cubicBezTo>
+                <a:cubicBezTo>
+                  <a:pt x="1156879" y="1157741"/>
+                  <a:pt x="1119082" y="1132510"/>
+                  <a:pt x="1084193" y="1114487"/>
+                </a:cubicBezTo>
+                <a:cubicBezTo>
+                  <a:pt x="1008599" y="1071234"/>
+                  <a:pt x="933005" y="1020771"/>
+                  <a:pt x="848689" y="1006353"/>
+                </a:cubicBezTo>
+                <a:cubicBezTo>
+                  <a:pt x="819615" y="1002748"/>
+                  <a:pt x="802169" y="984726"/>
+                  <a:pt x="805077" y="948681"/>
+                </a:cubicBezTo>
+                <a:cubicBezTo>
+                  <a:pt x="810892" y="901822"/>
+                  <a:pt x="839967" y="916240"/>
+                  <a:pt x="863226" y="919844"/>
+                </a:cubicBezTo>
+                <a:cubicBezTo>
+                  <a:pt x="877764" y="923450"/>
+                  <a:pt x="892301" y="934263"/>
+                  <a:pt x="906838" y="909031"/>
+                </a:cubicBezTo>
+                <a:cubicBezTo>
+                  <a:pt x="566666" y="653113"/>
+                  <a:pt x="386404" y="667532"/>
+                  <a:pt x="5527" y="458471"/>
+                </a:cubicBezTo>
+                <a:cubicBezTo>
+                  <a:pt x="89843" y="418822"/>
+                  <a:pt x="150900" y="447658"/>
+                  <a:pt x="209049" y="454867"/>
+                </a:cubicBezTo>
+                <a:cubicBezTo>
+                  <a:pt x="354422" y="472890"/>
+                  <a:pt x="264290" y="505329"/>
+                  <a:pt x="409664" y="526956"/>
+                </a:cubicBezTo>
+                <a:cubicBezTo>
+                  <a:pt x="479443" y="537770"/>
+                  <a:pt x="543407" y="573815"/>
+                  <a:pt x="621908" y="516143"/>
+                </a:cubicBezTo>
+                <a:cubicBezTo>
+                  <a:pt x="674242" y="476494"/>
+                  <a:pt x="758558" y="519747"/>
+                  <a:pt x="822522" y="552188"/>
+                </a:cubicBezTo>
+                <a:cubicBezTo>
+                  <a:pt x="874856" y="581024"/>
+                  <a:pt x="927190" y="588232"/>
+                  <a:pt x="996969" y="552188"/>
+                </a:cubicBezTo>
+                <a:cubicBezTo>
+                  <a:pt x="933005" y="530562"/>
+                  <a:pt x="883579" y="512539"/>
+                  <a:pt x="834151" y="498120"/>
+                </a:cubicBezTo>
+                <a:cubicBezTo>
+                  <a:pt x="793447" y="487307"/>
+                  <a:pt x="770187" y="462076"/>
+                  <a:pt x="773095" y="408008"/>
+                </a:cubicBezTo>
+                <a:cubicBezTo>
+                  <a:pt x="773095" y="379172"/>
+                  <a:pt x="764373" y="339523"/>
+                  <a:pt x="793447" y="325106"/>
+                </a:cubicBezTo>
+                <a:cubicBezTo>
+                  <a:pt x="816707" y="310688"/>
+                  <a:pt x="848689" y="325106"/>
+                  <a:pt x="860319" y="350336"/>
+                </a:cubicBezTo>
+                <a:cubicBezTo>
+                  <a:pt x="874856" y="397195"/>
+                  <a:pt x="889393" y="440449"/>
+                  <a:pt x="938820" y="444054"/>
+                </a:cubicBezTo>
+                <a:cubicBezTo>
+                  <a:pt x="1005692" y="451262"/>
+                  <a:pt x="967894" y="422426"/>
+                  <a:pt x="956265" y="386381"/>
+                </a:cubicBezTo>
+                <a:cubicBezTo>
+                  <a:pt x="944635" y="346733"/>
+                  <a:pt x="979525" y="335919"/>
+                  <a:pt x="1002784" y="343127"/>
+                </a:cubicBezTo>
+                <a:cubicBezTo>
+                  <a:pt x="1090008" y="375569"/>
+                  <a:pt x="1180139" y="317897"/>
+                  <a:pt x="1270270" y="364755"/>
+                </a:cubicBezTo>
+                <a:cubicBezTo>
+                  <a:pt x="1247011" y="249411"/>
+                  <a:pt x="1197583" y="198949"/>
+                  <a:pt x="1092915" y="180926"/>
+                </a:cubicBezTo>
+                <a:cubicBezTo>
+                  <a:pt x="1055118" y="177322"/>
+                  <a:pt x="1014414" y="184530"/>
+                  <a:pt x="979525" y="152090"/>
+                </a:cubicBezTo>
+                <a:cubicBezTo>
+                  <a:pt x="959172" y="134068"/>
+                  <a:pt x="938820" y="112441"/>
+                  <a:pt x="953358" y="76396"/>
+                </a:cubicBezTo>
+                <a:cubicBezTo>
+                  <a:pt x="962080" y="51165"/>
+                  <a:pt x="985339" y="51165"/>
+                  <a:pt x="1005692" y="58373"/>
+                </a:cubicBezTo>
+                <a:cubicBezTo>
+                  <a:pt x="1090008" y="98023"/>
+                  <a:pt x="1180139" y="108837"/>
+                  <a:pt x="1267362" y="123254"/>
+                </a:cubicBezTo>
+                <a:cubicBezTo>
+                  <a:pt x="1281900" y="126859"/>
+                  <a:pt x="1296437" y="134068"/>
+                  <a:pt x="1310975" y="98023"/>
+                </a:cubicBezTo>
+                <a:cubicBezTo>
+                  <a:pt x="1260095" y="81803"/>
+                  <a:pt x="1209941" y="62879"/>
+                  <a:pt x="1159787" y="43505"/>
+                </a:cubicBezTo>
+                <a:close/>
+              </a:path>
+            </a:pathLst>
+          </a:custGeom>
+        </p:spPr>
+      </p:pic>
+    </p:spTree>
+    <p:extLst>
+      <p:ext uri="{BB962C8B-B14F-4D97-AF65-F5344CB8AC3E}">
+        <p14:creationId xmlns:p14="http://schemas.microsoft.com/office/powerpoint/2010/main" val="1106895401"/>
+      </p:ext>
+    </p:extLst>
+  </p:cSld>
+  <p:clrMapOvr>
+    <a:masterClrMapping/>
+  </p:clrMapOvr>
+  <p:timing>
+    <p:tnLst>
+      <p:par>
+        <p:cTn id="1" dur="indefinite" restart="never" nodeType="tmRoot">
+          <p:childTnLst>
+            <p:seq concurrent="1" nextAc="seek">
+              <p:cTn id="2" dur="indefinite" nodeType="mainSeq">
+                <p:childTnLst>
+                  <p:par>
+                    <p:cTn id="3" fill="hold">
+                      <p:stCondLst>
+                        <p:cond delay="indefinite"/>
+                      </p:stCondLst>
+                      <p:childTnLst>
+                        <p:par>
+                          <p:cTn id="4" fill="hold">
+                            <p:stCondLst>
+                              <p:cond delay="0"/>
+                            </p:stCondLst>
+                            <p:childTnLst>
+                              <p:par>
+                                <p:cTn id="5" presetID="2" presetClass="entr" presetSubtype="4" fill="hold" nodeType="clickEffect">
+                                  <p:stCondLst>
+                                    <p:cond delay="0"/>
+                                  </p:stCondLst>
+                                  <p:childTnLst>
+                                    <p:set>
+                                      <p:cBhvr>
+                                        <p:cTn id="6" dur="1" fill="hold">
+                                          <p:stCondLst>
+                                            <p:cond delay="0"/>
+                                          </p:stCondLst>
+                                        </p:cTn>
+                                        <p:tgtEl>
+                                          <p:spTgt spid="6"/>
+                                        </p:tgtEl>
+                                        <p:attrNameLst>
+                                          <p:attrName>style.visibility</p:attrName>
+                                        </p:attrNameLst>
+                                      </p:cBhvr>
+                                      <p:to>
+                                        <p:strVal val="visible"/>
+                                      </p:to>
+                                    </p:set>
+                                    <p:anim calcmode="lin" valueType="num">
+                                      <p:cBhvr additive="base">
+                                        <p:cTn id="7" dur="500" fill="hold"/>
+                                        <p:tgtEl>
+                                          <p:spTgt spid="6"/>
+                                        </p:tgtEl>
+                                        <p:attrNameLst>
+                                          <p:attrName>ppt_x</p:attrName>
+                                        </p:attrNameLst>
+                                      </p:cBhvr>
+                                      <p:tavLst>
+                                        <p:tav tm="0">
+                                          <p:val>
+                                            <p:strVal val="#ppt_x"/>
+                                          </p:val>
+                                        </p:tav>
+                                        <p:tav tm="100000">
+                                          <p:val>
+                                            <p:strVal val="#ppt_x"/>
+                                          </p:val>
+                                        </p:tav>
+                                      </p:tavLst>
+                                    </p:anim>
+                                    <p:anim calcmode="lin" valueType="num">
+                                      <p:cBhvr additive="base">
+                                        <p:cTn id="8" dur="500" fill="hold"/>
+                                        <p:tgtEl>
+                                          <p:spTgt spid="6"/>
+                                        </p:tgtEl>
+                                        <p:attrNameLst>
+                                          <p:attrName>ppt_y</p:attrName>
+                                        </p:attrNameLst>
+                                      </p:cBhvr>
+                                      <p:tavLst>
+                                        <p:tav tm="0">
+                                          <p:val>
+                                            <p:strVal val="1+#ppt_h/2"/>
+                                          </p:val>
+                                        </p:tav>
+                                        <p:tav tm="100000">
+                                          <p:val>
+                                            <p:strVal val="#ppt_y"/>
+                                          </p:val>
+                                        </p:tav>
+                                      </p:tavLst>
+                                    </p:anim>
+                                  </p:childTnLst>
+                                </p:cTn>
+                              </p:par>
+                            </p:childTnLst>
+                          </p:cTn>
+                        </p:par>
+                      </p:childTnLst>
+                    </p:cTn>
+                  </p:par>
+                </p:childTnLst>
+              </p:cTn>
+              <p:prevCondLst>
+                <p:cond evt="onPrev" delay="0">
+                  <p:tgtEl>
+                    <p:sldTgt/>
+                  </p:tgtEl>
+                </p:cond>
+              </p:prevCondLst>
+              <p:nextCondLst>
+                <p:cond evt="onNext" delay="0">
+                  <p:tgtEl>
+                    <p:sldTgt/>
+                  </p:tgtEl>
+                </p:cond>
+              </p:nextCondLst>
+            </p:seq>
+          </p:childTnLst>
+        </p:cTn>
+      </p:par>
+    </p:tnLst>
+  </p:timing>
+</p:sld>
+</file>
+
+<file path=ppt/slides/slide3.xml><?xml version="1.0" encoding="utf-8"?>
 <p:sld xmlns:a="http://schemas.openxmlformats.org/drawingml/2006/main" xmlns:r="http://schemas.openxmlformats.org/officeDocument/2006/relationships" xmlns:p="http://schemas.openxmlformats.org/presentationml/2006/main">
   <p:cSld>
     <p:bg>
@@ -13393,7 +15794,7 @@
 </p:sld>
 </file>
 
-<file path=ppt/slides/slide3.xml><?xml version="1.0" encoding="utf-8"?>
+<file path=ppt/slides/slide4.xml><?xml version="1.0" encoding="utf-8"?>
 <p:sld xmlns:a="http://schemas.openxmlformats.org/drawingml/2006/main" xmlns:r="http://schemas.openxmlformats.org/officeDocument/2006/relationships" xmlns:p="http://schemas.openxmlformats.org/presentationml/2006/main">
   <p:cSld>
     <p:bg>
@@ -14305,7 +16706,7 @@
 </p:sld>
 </file>
 
-<file path=ppt/slides/slide4.xml><?xml version="1.0" encoding="utf-8"?>
+<file path=ppt/slides/slide5.xml><?xml version="1.0" encoding="utf-8"?>
 <p:sld xmlns:a="http://schemas.openxmlformats.org/drawingml/2006/main" xmlns:r="http://schemas.openxmlformats.org/officeDocument/2006/relationships" xmlns:p="http://schemas.openxmlformats.org/presentationml/2006/main">
   <p:cSld>
     <p:bg>
@@ -15327,7 +17728,7 @@
 </p:sld>
 </file>
 
-<file path=ppt/slides/slide5.xml><?xml version="1.0" encoding="utf-8"?>
+<file path=ppt/slides/slide6.xml><?xml version="1.0" encoding="utf-8"?>
 <p:sld xmlns:a="http://schemas.openxmlformats.org/drawingml/2006/main" xmlns:r="http://schemas.openxmlformats.org/officeDocument/2006/relationships" xmlns:p="http://schemas.openxmlformats.org/presentationml/2006/main">
   <p:cSld>
     <p:bg>
@@ -17058,7 +19459,7 @@
 </p:sld>
 </file>
 
-<file path=ppt/slides/slide6.xml><?xml version="1.0" encoding="utf-8"?>
+<file path=ppt/slides/slide7.xml><?xml version="1.0" encoding="utf-8"?>
 <p:sld xmlns:a="http://schemas.openxmlformats.org/drawingml/2006/main" xmlns:r="http://schemas.openxmlformats.org/officeDocument/2006/relationships" xmlns:p="http://schemas.openxmlformats.org/presentationml/2006/main">
   <p:cSld>
     <p:spTree>
@@ -17231,7 +19632,7 @@
 </p:sld>
 </file>
 
-<file path=ppt/slides/slide7.xml><?xml version="1.0" encoding="utf-8"?>
+<file path=ppt/slides/slide8.xml><?xml version="1.0" encoding="utf-8"?>
 <p:sld xmlns:a="http://schemas.openxmlformats.org/drawingml/2006/main" xmlns:r="http://schemas.openxmlformats.org/officeDocument/2006/relationships" xmlns:p="http://schemas.openxmlformats.org/presentationml/2006/main">
   <p:cSld>
     <p:spTree>
@@ -17378,7 +19779,7 @@
 </p:sld>
 </file>
 
-<file path=ppt/slides/slide8.xml><?xml version="1.0" encoding="utf-8"?>
+<file path=ppt/slides/slide9.xml><?xml version="1.0" encoding="utf-8"?>
 <p:sld xmlns:a="http://schemas.openxmlformats.org/drawingml/2006/main" xmlns:r="http://schemas.openxmlformats.org/officeDocument/2006/relationships" xmlns:p="http://schemas.openxmlformats.org/presentationml/2006/main">
   <p:cSld>
     <p:bg>
@@ -18531,1043 +20932,6 @@
 </p:sld>
 </file>
 
-<file path=ppt/slides/slide9.xml><?xml version="1.0" encoding="utf-8"?>
-<p:sld xmlns:a="http://schemas.openxmlformats.org/drawingml/2006/main" xmlns:r="http://schemas.openxmlformats.org/officeDocument/2006/relationships" xmlns:p="http://schemas.openxmlformats.org/presentationml/2006/main">
-  <p:cSld>
-    <p:bg>
-      <p:bgPr>
-        <a:solidFill>
-          <a:schemeClr val="bg1"/>
-        </a:solidFill>
-        <a:effectLst/>
-      </p:bgPr>
-    </p:bg>
-    <p:spTree>
-      <p:nvGrpSpPr>
-        <p:cNvPr id="1" name="">
-          <a:extLst>
-            <a:ext uri="{FF2B5EF4-FFF2-40B4-BE49-F238E27FC236}">
-              <a16:creationId xmlns:a16="http://schemas.microsoft.com/office/drawing/2014/main" id="{5637325C-FD2E-5B4E-27B0-40221AFFC96F}"/>
-            </a:ext>
-          </a:extLst>
-        </p:cNvPr>
-        <p:cNvGrpSpPr/>
-        <p:nvPr/>
-      </p:nvGrpSpPr>
-      <p:grpSpPr>
-        <a:xfrm>
-          <a:off x="0" y="0"/>
-          <a:ext cx="0" cy="0"/>
-          <a:chOff x="0" y="0"/>
-          <a:chExt cx="0" cy="0"/>
-        </a:xfrm>
-      </p:grpSpPr>
-      <p:sp useBgFill="1">
-        <p:nvSpPr>
-          <p:cNvPr id="10" name="Rectangle 9">
-            <a:extLst>
-              <a:ext uri="{FF2B5EF4-FFF2-40B4-BE49-F238E27FC236}">
-                <a16:creationId xmlns:a16="http://schemas.microsoft.com/office/drawing/2014/main" id="{7D2FD795-8DF5-44F0-8664-4D8F626DD85A}"/>
-              </a:ext>
-              <a:ext uri="{C183D7F6-B498-43B3-948B-1728B52AA6E4}">
-                <adec:decorative xmlns:adec="http://schemas.microsoft.com/office/drawing/2017/decorative" val="1"/>
-              </a:ext>
-            </a:extLst>
-          </p:cNvPr>
-          <p:cNvSpPr>
-            <a:spLocks noGrp="1" noRot="1" noChangeAspect="1" noMove="1" noResize="1" noEditPoints="1" noAdjustHandles="1" noChangeArrowheads="1" noChangeShapeType="1" noTextEdit="1"/>
-          </p:cNvSpPr>
-          <p:nvPr>
-            <p:extLst>
-              <p:ext uri="{386F3935-93C4-4BCD-93E2-E3B085C9AB24}">
-                <p16:designElem xmlns:p16="http://schemas.microsoft.com/office/powerpoint/2015/main" val="1"/>
-              </p:ext>
-            </p:extLst>
-          </p:nvPr>
-        </p:nvSpPr>
-        <p:spPr>
-          <a:xfrm>
-            <a:off x="0" y="0"/>
-            <a:ext cx="12192000" cy="6858000"/>
-          </a:xfrm>
-          <a:prstGeom prst="rect">
-            <a:avLst/>
-          </a:prstGeom>
-          <a:ln w="12700" cap="flat" cmpd="sng" algn="ctr">
-            <a:noFill/>
-            <a:prstDash val="solid"/>
-            <a:miter lim="800000"/>
-          </a:ln>
-          <a:effectLst/>
-          <a:extLst>
-            <a:ext uri="{91240B29-F687-4F45-9708-019B960494DF}">
-              <a14:hiddenLine xmlns:a14="http://schemas.microsoft.com/office/drawing/2010/main" w="12700" cap="flat" cmpd="sng" algn="ctr">
-                <a:solidFill>
-                  <a:schemeClr val="accent1">
-                    <a:shade val="50000"/>
-                  </a:schemeClr>
-                </a:solidFill>
-                <a:prstDash val="solid"/>
-                <a:miter lim="800000"/>
-              </a14:hiddenLine>
-            </a:ext>
-          </a:extLst>
-        </p:spPr>
-        <p:style>
-          <a:lnRef idx="2">
-            <a:schemeClr val="accent1">
-              <a:shade val="50000"/>
-            </a:schemeClr>
-          </a:lnRef>
-          <a:fillRef idx="1">
-            <a:schemeClr val="accent1"/>
-          </a:fillRef>
-          <a:effectRef idx="0">
-            <a:schemeClr val="accent1"/>
-          </a:effectRef>
-          <a:fontRef idx="minor">
-            <a:schemeClr val="lt1"/>
-          </a:fontRef>
-        </p:style>
-        <p:txBody>
-          <a:bodyPr rtlCol="0" anchor="ctr"/>
-          <a:lstStyle/>
-          <a:p>
-            <a:pPr algn="ctr"/>
-            <a:endParaRPr lang="en-US"/>
-          </a:p>
-        </p:txBody>
-      </p:sp>
-      <p:grpSp>
-        <p:nvGrpSpPr>
-          <p:cNvPr id="23" name="Group 11">
-            <a:extLst>
-              <a:ext uri="{FF2B5EF4-FFF2-40B4-BE49-F238E27FC236}">
-                <a16:creationId xmlns:a16="http://schemas.microsoft.com/office/drawing/2014/main" id="{7C6B683D-13FA-4605-8648-01FC9C82FEC8}"/>
-              </a:ext>
-              <a:ext uri="{C183D7F6-B498-43B3-948B-1728B52AA6E4}">
-                <adec:decorative xmlns:adec="http://schemas.microsoft.com/office/drawing/2017/decorative" val="1"/>
-              </a:ext>
-            </a:extLst>
-          </p:cNvPr>
-          <p:cNvGrpSpPr>
-            <a:grpSpLocks noGrp="1" noUngrp="1" noRot="1" noChangeAspect="1" noMove="1" noResize="1"/>
-          </p:cNvGrpSpPr>
-          <p:nvPr>
-            <p:extLst>
-              <p:ext uri="{386F3935-93C4-4BCD-93E2-E3B085C9AB24}">
-                <p16:designElem xmlns:p16="http://schemas.microsoft.com/office/powerpoint/2015/main" val="1"/>
-              </p:ext>
-            </p:extLst>
-          </p:nvPr>
-        </p:nvGrpSpPr>
-        <p:grpSpPr>
-          <a:xfrm>
-            <a:off x="1" y="0"/>
-            <a:ext cx="12191999" cy="6861600"/>
-            <a:chOff x="1" y="0"/>
-            <a:chExt cx="12191999" cy="6861600"/>
-          </a:xfrm>
-        </p:grpSpPr>
-        <p:sp>
-          <p:nvSpPr>
-            <p:cNvPr id="25" name="Rectangle 12">
-              <a:extLst>
-                <a:ext uri="{FF2B5EF4-FFF2-40B4-BE49-F238E27FC236}">
-                  <a16:creationId xmlns:a16="http://schemas.microsoft.com/office/drawing/2014/main" id="{9852A959-AA36-4E4C-940B-F33A7BE0ABCF}"/>
-                </a:ext>
-                <a:ext uri="{C183D7F6-B498-43B3-948B-1728B52AA6E4}">
-                  <adec:decorative xmlns:adec="http://schemas.microsoft.com/office/drawing/2017/decorative" val="1"/>
-                </a:ext>
-              </a:extLst>
-            </p:cNvPr>
-            <p:cNvSpPr>
-              <a:spLocks noChangeAspect="1"/>
-            </p:cNvSpPr>
-            <p:nvPr>
-              <p:extLst>
-                <p:ext uri="{386F3935-93C4-4BCD-93E2-E3B085C9AB24}">
-                  <p16:designElem xmlns:p16="http://schemas.microsoft.com/office/powerpoint/2015/main" val="1"/>
-                </p:ext>
-              </p:extLst>
-            </p:nvPr>
-          </p:nvSpPr>
-          <p:spPr>
-            <a:xfrm rot="16200000">
-              <a:off x="1" y="1640114"/>
-              <a:ext cx="5217886" cy="5217886"/>
-            </a:xfrm>
-            <a:prstGeom prst="rect">
-              <a:avLst/>
-            </a:prstGeom>
-            <a:gradFill flip="none" rotWithShape="1">
-              <a:gsLst>
-                <a:gs pos="0">
-                  <a:schemeClr val="accent2">
-                    <a:alpha val="60000"/>
-                  </a:schemeClr>
-                </a:gs>
-                <a:gs pos="60000">
-                  <a:schemeClr val="accent2">
-                    <a:alpha val="0"/>
-                  </a:schemeClr>
-                </a:gs>
-              </a:gsLst>
-              <a:path path="circle">
-                <a:fillToRect r="100000" b="100000"/>
-              </a:path>
-              <a:tileRect l="-100000" t="-100000"/>
-            </a:gradFill>
-            <a:ln w="12700" cap="flat" cmpd="sng" algn="ctr">
-              <a:noFill/>
-              <a:prstDash val="solid"/>
-              <a:miter lim="800000"/>
-            </a:ln>
-            <a:effectLst/>
-          </p:spPr>
-          <p:style>
-            <a:lnRef idx="2">
-              <a:schemeClr val="accent1">
-                <a:shade val="50000"/>
-              </a:schemeClr>
-            </a:lnRef>
-            <a:fillRef idx="1">
-              <a:schemeClr val="accent1"/>
-            </a:fillRef>
-            <a:effectRef idx="0">
-              <a:schemeClr val="accent1"/>
-            </a:effectRef>
-            <a:fontRef idx="minor">
-              <a:schemeClr val="lt1"/>
-            </a:fontRef>
-          </p:style>
-          <p:txBody>
-            <a:bodyPr rtlCol="0" anchor="ctr"/>
-            <a:lstStyle/>
-            <a:p>
-              <a:pPr algn="ctr"/>
-              <a:endParaRPr lang="en-US"/>
-            </a:p>
-          </p:txBody>
-        </p:sp>
-        <p:sp>
-          <p:nvSpPr>
-            <p:cNvPr id="26" name="Oval 13">
-              <a:extLst>
-                <a:ext uri="{FF2B5EF4-FFF2-40B4-BE49-F238E27FC236}">
-                  <a16:creationId xmlns:a16="http://schemas.microsoft.com/office/drawing/2014/main" id="{FFFC38A9-EA65-4BD6-A6E1-CAD07CCB8105}"/>
-                </a:ext>
-                <a:ext uri="{C183D7F6-B498-43B3-948B-1728B52AA6E4}">
-                  <adec:decorative xmlns:adec="http://schemas.microsoft.com/office/drawing/2017/decorative" val="1"/>
-                </a:ext>
-              </a:extLst>
-            </p:cNvPr>
-            <p:cNvSpPr>
-              <a:spLocks noChangeAspect="1"/>
-            </p:cNvSpPr>
-            <p:nvPr>
-              <p:extLst>
-                <p:ext uri="{386F3935-93C4-4BCD-93E2-E3B085C9AB24}">
-                  <p16:designElem xmlns:p16="http://schemas.microsoft.com/office/powerpoint/2015/main" val="1"/>
-                </p:ext>
-              </p:extLst>
-            </p:nvPr>
-          </p:nvSpPr>
-          <p:spPr>
-            <a:xfrm>
-              <a:off x="6384514" y="0"/>
-              <a:ext cx="4320000" cy="4320000"/>
-            </a:xfrm>
-            <a:prstGeom prst="ellipse">
-              <a:avLst/>
-            </a:prstGeom>
-            <a:solidFill>
-              <a:schemeClr val="accent3">
-                <a:alpha val="96000"/>
-              </a:schemeClr>
-            </a:solidFill>
-            <a:ln>
-              <a:noFill/>
-            </a:ln>
-            <a:effectLst>
-              <a:softEdge rad="1016000"/>
-            </a:effectLst>
-          </p:spPr>
-          <p:style>
-            <a:lnRef idx="2">
-              <a:schemeClr val="accent1">
-                <a:shade val="50000"/>
-              </a:schemeClr>
-            </a:lnRef>
-            <a:fillRef idx="1">
-              <a:schemeClr val="accent1"/>
-            </a:fillRef>
-            <a:effectRef idx="0">
-              <a:schemeClr val="accent1"/>
-            </a:effectRef>
-            <a:fontRef idx="minor">
-              <a:schemeClr val="lt1"/>
-            </a:fontRef>
-          </p:style>
-          <p:txBody>
-            <a:bodyPr rtlCol="0" anchor="ctr"/>
-            <a:lstStyle/>
-            <a:p>
-              <a:pPr algn="ctr"/>
-              <a:endParaRPr lang="en-US"/>
-            </a:p>
-          </p:txBody>
-        </p:sp>
-        <p:sp>
-          <p:nvSpPr>
-            <p:cNvPr id="27" name="Oval 14">
-              <a:extLst>
-                <a:ext uri="{FF2B5EF4-FFF2-40B4-BE49-F238E27FC236}">
-                  <a16:creationId xmlns:a16="http://schemas.microsoft.com/office/drawing/2014/main" id="{F9E36CA9-9013-4306-B36F-2E349B6FEDB6}"/>
-                </a:ext>
-                <a:ext uri="{C183D7F6-B498-43B3-948B-1728B52AA6E4}">
-                  <adec:decorative xmlns:adec="http://schemas.microsoft.com/office/drawing/2017/decorative" val="1"/>
-                </a:ext>
-              </a:extLst>
-            </p:cNvPr>
-            <p:cNvSpPr>
-              <a:spLocks noChangeAspect="1"/>
-            </p:cNvSpPr>
-            <p:nvPr>
-              <p:extLst>
-                <p:ext uri="{386F3935-93C4-4BCD-93E2-E3B085C9AB24}">
-                  <p16:designElem xmlns:p16="http://schemas.microsoft.com/office/powerpoint/2015/main" val="1"/>
-                </p:ext>
-              </p:extLst>
-            </p:nvPr>
-          </p:nvSpPr>
-          <p:spPr>
-            <a:xfrm>
-              <a:off x="6119057" y="1230054"/>
-              <a:ext cx="5506886" cy="5506886"/>
-            </a:xfrm>
-            <a:prstGeom prst="ellipse">
-              <a:avLst/>
-            </a:prstGeom>
-            <a:solidFill>
-              <a:schemeClr val="accent2">
-                <a:alpha val="60000"/>
-              </a:schemeClr>
-            </a:solidFill>
-            <a:ln>
-              <a:noFill/>
-            </a:ln>
-            <a:effectLst>
-              <a:softEdge rad="1270000"/>
-            </a:effectLst>
-          </p:spPr>
-          <p:style>
-            <a:lnRef idx="2">
-              <a:schemeClr val="accent1">
-                <a:shade val="50000"/>
-              </a:schemeClr>
-            </a:lnRef>
-            <a:fillRef idx="1">
-              <a:schemeClr val="accent1"/>
-            </a:fillRef>
-            <a:effectRef idx="0">
-              <a:schemeClr val="accent1"/>
-            </a:effectRef>
-            <a:fontRef idx="minor">
-              <a:schemeClr val="lt1"/>
-            </a:fontRef>
-          </p:style>
-          <p:txBody>
-            <a:bodyPr rtlCol="0" anchor="ctr"/>
-            <a:lstStyle/>
-            <a:p>
-              <a:pPr algn="ctr"/>
-              <a:endParaRPr lang="en-US" dirty="0"/>
-            </a:p>
-          </p:txBody>
-        </p:sp>
-        <p:grpSp>
-          <p:nvGrpSpPr>
-            <p:cNvPr id="28" name="Group 15">
-              <a:extLst>
-                <a:ext uri="{FF2B5EF4-FFF2-40B4-BE49-F238E27FC236}">
-                  <a16:creationId xmlns:a16="http://schemas.microsoft.com/office/drawing/2014/main" id="{CE8D3FFE-4362-43F6-99D3-1B83F7AD5946}"/>
-                </a:ext>
-                <a:ext uri="{C183D7F6-B498-43B3-948B-1728B52AA6E4}">
-                  <adec:decorative xmlns:adec="http://schemas.microsoft.com/office/drawing/2017/decorative" val="1"/>
-                </a:ext>
-              </a:extLst>
-            </p:cNvPr>
-            <p:cNvGrpSpPr>
-              <a:grpSpLocks noChangeAspect="1"/>
-            </p:cNvGrpSpPr>
-            <p:nvPr>
-              <p:extLst>
-                <p:ext uri="{386F3935-93C4-4BCD-93E2-E3B085C9AB24}">
-                  <p16:designElem xmlns:p16="http://schemas.microsoft.com/office/powerpoint/2015/main" val="1"/>
-                </p:ext>
-              </p:extLst>
-            </p:nvPr>
-          </p:nvGrpSpPr>
-          <p:grpSpPr>
-            <a:xfrm>
-              <a:off x="690092" y="0"/>
-              <a:ext cx="10800000" cy="6858000"/>
-              <a:chOff x="2328000" y="0"/>
-              <a:chExt cx="2880000" cy="1440000"/>
-            </a:xfrm>
-          </p:grpSpPr>
-          <p:sp>
-            <p:nvSpPr>
-              <p:cNvPr id="21" name="Rectangle 20">
-                <a:extLst>
-                  <a:ext uri="{FF2B5EF4-FFF2-40B4-BE49-F238E27FC236}">
-                    <a16:creationId xmlns:a16="http://schemas.microsoft.com/office/drawing/2014/main" id="{F7AA39D6-8796-468A-8C18-D17C0BBF21AB}"/>
-                  </a:ext>
-                  <a:ext uri="{C183D7F6-B498-43B3-948B-1728B52AA6E4}">
-                    <adec:decorative xmlns:adec="http://schemas.microsoft.com/office/drawing/2017/decorative" val="1"/>
-                  </a:ext>
-                </a:extLst>
-              </p:cNvPr>
-              <p:cNvSpPr/>
-              <p:nvPr>
-                <p:extLst>
-                  <p:ext uri="{386F3935-93C4-4BCD-93E2-E3B085C9AB24}">
-                    <p16:designElem xmlns:p16="http://schemas.microsoft.com/office/powerpoint/2015/main" val="1"/>
-                  </p:ext>
-                </p:extLst>
-              </p:nvPr>
-            </p:nvSpPr>
-            <p:spPr>
-              <a:xfrm>
-                <a:off x="3768000" y="0"/>
-                <a:ext cx="1440000" cy="1440000"/>
-              </a:xfrm>
-              <a:prstGeom prst="rect">
-                <a:avLst/>
-              </a:prstGeom>
-              <a:gradFill flip="none" rotWithShape="1">
-                <a:gsLst>
-                  <a:gs pos="0">
-                    <a:schemeClr val="accent1"/>
-                  </a:gs>
-                  <a:gs pos="60000">
-                    <a:schemeClr val="accent1">
-                      <a:alpha val="0"/>
-                    </a:schemeClr>
-                  </a:gs>
-                </a:gsLst>
-                <a:path path="circle">
-                  <a:fillToRect r="100000" b="100000"/>
-                </a:path>
-                <a:tileRect l="-100000" t="-100000"/>
-              </a:gradFill>
-              <a:ln w="12700" cap="flat" cmpd="sng" algn="ctr">
-                <a:noFill/>
-                <a:prstDash val="solid"/>
-                <a:miter lim="800000"/>
-              </a:ln>
-              <a:effectLst/>
-            </p:spPr>
-            <p:style>
-              <a:lnRef idx="2">
-                <a:schemeClr val="accent1">
-                  <a:shade val="50000"/>
-                </a:schemeClr>
-              </a:lnRef>
-              <a:fillRef idx="1">
-                <a:schemeClr val="accent1"/>
-              </a:fillRef>
-              <a:effectRef idx="0">
-                <a:schemeClr val="accent1"/>
-              </a:effectRef>
-              <a:fontRef idx="minor">
-                <a:schemeClr val="lt1"/>
-              </a:fontRef>
-            </p:style>
-            <p:txBody>
-              <a:bodyPr rtlCol="0" anchor="ctr"/>
-              <a:lstStyle/>
-              <a:p>
-                <a:pPr algn="ctr"/>
-                <a:endParaRPr lang="en-US"/>
-              </a:p>
-            </p:txBody>
-          </p:sp>
-          <p:sp>
-            <p:nvSpPr>
-              <p:cNvPr id="22" name="Rectangle 21">
-                <a:extLst>
-                  <a:ext uri="{FF2B5EF4-FFF2-40B4-BE49-F238E27FC236}">
-                    <a16:creationId xmlns:a16="http://schemas.microsoft.com/office/drawing/2014/main" id="{75967788-298A-4B75-B02F-0625E5F84835}"/>
-                  </a:ext>
-                  <a:ext uri="{C183D7F6-B498-43B3-948B-1728B52AA6E4}">
-                    <adec:decorative xmlns:adec="http://schemas.microsoft.com/office/drawing/2017/decorative" val="1"/>
-                  </a:ext>
-                </a:extLst>
-              </p:cNvPr>
-              <p:cNvSpPr/>
-              <p:nvPr>
-                <p:extLst>
-                  <p:ext uri="{386F3935-93C4-4BCD-93E2-E3B085C9AB24}">
-                    <p16:designElem xmlns:p16="http://schemas.microsoft.com/office/powerpoint/2015/main" val="1"/>
-                  </p:ext>
-                </p:extLst>
-              </p:nvPr>
-            </p:nvSpPr>
-            <p:spPr>
-              <a:xfrm flipH="1">
-                <a:off x="2328000" y="0"/>
-                <a:ext cx="1440000" cy="1440000"/>
-              </a:xfrm>
-              <a:prstGeom prst="rect">
-                <a:avLst/>
-              </a:prstGeom>
-              <a:gradFill flip="none" rotWithShape="1">
-                <a:gsLst>
-                  <a:gs pos="0">
-                    <a:schemeClr val="accent1"/>
-                  </a:gs>
-                  <a:gs pos="60000">
-                    <a:schemeClr val="accent1">
-                      <a:alpha val="0"/>
-                    </a:schemeClr>
-                  </a:gs>
-                </a:gsLst>
-                <a:path path="circle">
-                  <a:fillToRect r="100000" b="100000"/>
-                </a:path>
-                <a:tileRect l="-100000" t="-100000"/>
-              </a:gradFill>
-              <a:ln w="12700" cap="flat" cmpd="sng" algn="ctr">
-                <a:noFill/>
-                <a:prstDash val="solid"/>
-                <a:miter lim="800000"/>
-              </a:ln>
-              <a:effectLst/>
-            </p:spPr>
-            <p:style>
-              <a:lnRef idx="2">
-                <a:schemeClr val="accent1">
-                  <a:shade val="50000"/>
-                </a:schemeClr>
-              </a:lnRef>
-              <a:fillRef idx="1">
-                <a:schemeClr val="accent1"/>
-              </a:fillRef>
-              <a:effectRef idx="0">
-                <a:schemeClr val="accent1"/>
-              </a:effectRef>
-              <a:fontRef idx="minor">
-                <a:schemeClr val="lt1"/>
-              </a:fontRef>
-            </p:style>
-            <p:txBody>
-              <a:bodyPr rtlCol="0" anchor="ctr"/>
-              <a:lstStyle/>
-              <a:p>
-                <a:pPr algn="ctr"/>
-                <a:endParaRPr lang="en-US"/>
-              </a:p>
-            </p:txBody>
-          </p:sp>
-        </p:grpSp>
-        <p:grpSp>
-          <p:nvGrpSpPr>
-            <p:cNvPr id="29" name="Group 16">
-              <a:extLst>
-                <a:ext uri="{FF2B5EF4-FFF2-40B4-BE49-F238E27FC236}">
-                  <a16:creationId xmlns:a16="http://schemas.microsoft.com/office/drawing/2014/main" id="{8D0FB4E1-29BE-427B-9999-B25351A07CB1}"/>
-                </a:ext>
-                <a:ext uri="{C183D7F6-B498-43B3-948B-1728B52AA6E4}">
-                  <adec:decorative xmlns:adec="http://schemas.microsoft.com/office/drawing/2017/decorative" val="1"/>
-                </a:ext>
-              </a:extLst>
-            </p:cNvPr>
-            <p:cNvGrpSpPr>
-              <a:grpSpLocks noChangeAspect="1"/>
-            </p:cNvGrpSpPr>
-            <p:nvPr>
-              <p:extLst>
-                <p:ext uri="{386F3935-93C4-4BCD-93E2-E3B085C9AB24}">
-                  <p16:designElem xmlns:p16="http://schemas.microsoft.com/office/powerpoint/2015/main" val="1"/>
-                </p:ext>
-              </p:extLst>
-            </p:nvPr>
-          </p:nvGrpSpPr>
-          <p:grpSpPr>
-            <a:xfrm rot="5400000">
-              <a:off x="7048499" y="1714500"/>
-              <a:ext cx="6858000" cy="3429000"/>
-              <a:chOff x="0" y="0"/>
-              <a:chExt cx="2880000" cy="1440000"/>
-            </a:xfrm>
-          </p:grpSpPr>
-          <p:sp>
-            <p:nvSpPr>
-              <p:cNvPr id="19" name="Rectangle 18">
-                <a:extLst>
-                  <a:ext uri="{FF2B5EF4-FFF2-40B4-BE49-F238E27FC236}">
-                    <a16:creationId xmlns:a16="http://schemas.microsoft.com/office/drawing/2014/main" id="{39914662-C165-4AD1-89C0-F6C47C109031}"/>
-                  </a:ext>
-                  <a:ext uri="{C183D7F6-B498-43B3-948B-1728B52AA6E4}">
-                    <adec:decorative xmlns:adec="http://schemas.microsoft.com/office/drawing/2017/decorative" val="1"/>
-                  </a:ext>
-                </a:extLst>
-              </p:cNvPr>
-              <p:cNvSpPr/>
-              <p:nvPr>
-                <p:extLst>
-                  <p:ext uri="{386F3935-93C4-4BCD-93E2-E3B085C9AB24}">
-                    <p16:designElem xmlns:p16="http://schemas.microsoft.com/office/powerpoint/2015/main" val="1"/>
-                  </p:ext>
-                </p:extLst>
-              </p:nvPr>
-            </p:nvSpPr>
-            <p:spPr>
-              <a:xfrm>
-                <a:off x="1440000" y="0"/>
-                <a:ext cx="1440000" cy="1440000"/>
-              </a:xfrm>
-              <a:prstGeom prst="rect">
-                <a:avLst/>
-              </a:prstGeom>
-              <a:gradFill flip="none" rotWithShape="1">
-                <a:gsLst>
-                  <a:gs pos="0">
-                    <a:schemeClr val="accent2"/>
-                  </a:gs>
-                  <a:gs pos="60000">
-                    <a:schemeClr val="accent2">
-                      <a:alpha val="0"/>
-                    </a:schemeClr>
-                  </a:gs>
-                </a:gsLst>
-                <a:path path="circle">
-                  <a:fillToRect r="100000" b="100000"/>
-                </a:path>
-                <a:tileRect l="-100000" t="-100000"/>
-              </a:gradFill>
-              <a:ln w="12700" cap="flat" cmpd="sng" algn="ctr">
-                <a:noFill/>
-                <a:prstDash val="solid"/>
-                <a:miter lim="800000"/>
-              </a:ln>
-              <a:effectLst/>
-            </p:spPr>
-            <p:style>
-              <a:lnRef idx="2">
-                <a:schemeClr val="accent1">
-                  <a:shade val="50000"/>
-                </a:schemeClr>
-              </a:lnRef>
-              <a:fillRef idx="1">
-                <a:schemeClr val="accent1"/>
-              </a:fillRef>
-              <a:effectRef idx="0">
-                <a:schemeClr val="accent1"/>
-              </a:effectRef>
-              <a:fontRef idx="minor">
-                <a:schemeClr val="lt1"/>
-              </a:fontRef>
-            </p:style>
-            <p:txBody>
-              <a:bodyPr rtlCol="0" anchor="ctr"/>
-              <a:lstStyle/>
-              <a:p>
-                <a:pPr algn="ctr"/>
-                <a:endParaRPr lang="en-US"/>
-              </a:p>
-            </p:txBody>
-          </p:sp>
-          <p:sp>
-            <p:nvSpPr>
-              <p:cNvPr id="20" name="Rectangle 19">
-                <a:extLst>
-                  <a:ext uri="{FF2B5EF4-FFF2-40B4-BE49-F238E27FC236}">
-                    <a16:creationId xmlns:a16="http://schemas.microsoft.com/office/drawing/2014/main" id="{384C8199-BC83-4D02-8937-CF9AB0F4CF1E}"/>
-                  </a:ext>
-                  <a:ext uri="{C183D7F6-B498-43B3-948B-1728B52AA6E4}">
-                    <adec:decorative xmlns:adec="http://schemas.microsoft.com/office/drawing/2017/decorative" val="1"/>
-                  </a:ext>
-                </a:extLst>
-              </p:cNvPr>
-              <p:cNvSpPr/>
-              <p:nvPr>
-                <p:extLst>
-                  <p:ext uri="{386F3935-93C4-4BCD-93E2-E3B085C9AB24}">
-                    <p16:designElem xmlns:p16="http://schemas.microsoft.com/office/powerpoint/2015/main" val="1"/>
-                  </p:ext>
-                </p:extLst>
-              </p:nvPr>
-            </p:nvSpPr>
-            <p:spPr>
-              <a:xfrm flipH="1">
-                <a:off x="0" y="0"/>
-                <a:ext cx="1440000" cy="1440000"/>
-              </a:xfrm>
-              <a:prstGeom prst="rect">
-                <a:avLst/>
-              </a:prstGeom>
-              <a:gradFill flip="none" rotWithShape="1">
-                <a:gsLst>
-                  <a:gs pos="0">
-                    <a:schemeClr val="accent2"/>
-                  </a:gs>
-                  <a:gs pos="60000">
-                    <a:schemeClr val="accent2">
-                      <a:alpha val="0"/>
-                    </a:schemeClr>
-                  </a:gs>
-                </a:gsLst>
-                <a:path path="circle">
-                  <a:fillToRect r="100000" b="100000"/>
-                </a:path>
-                <a:tileRect l="-100000" t="-100000"/>
-              </a:gradFill>
-              <a:ln w="12700" cap="flat" cmpd="sng" algn="ctr">
-                <a:noFill/>
-                <a:prstDash val="solid"/>
-                <a:miter lim="800000"/>
-              </a:ln>
-              <a:effectLst/>
-            </p:spPr>
-            <p:style>
-              <a:lnRef idx="2">
-                <a:schemeClr val="accent1">
-                  <a:shade val="50000"/>
-                </a:schemeClr>
-              </a:lnRef>
-              <a:fillRef idx="1">
-                <a:schemeClr val="accent1"/>
-              </a:fillRef>
-              <a:effectRef idx="0">
-                <a:schemeClr val="accent1"/>
-              </a:effectRef>
-              <a:fontRef idx="minor">
-                <a:schemeClr val="lt1"/>
-              </a:fontRef>
-            </p:style>
-            <p:txBody>
-              <a:bodyPr rtlCol="0" anchor="ctr"/>
-              <a:lstStyle/>
-              <a:p>
-                <a:pPr algn="ctr"/>
-                <a:endParaRPr lang="en-US"/>
-              </a:p>
-            </p:txBody>
-          </p:sp>
-        </p:grpSp>
-        <p:sp>
-          <p:nvSpPr>
-            <p:cNvPr id="18" name="Rectangle 17">
-              <a:extLst>
-                <a:ext uri="{FF2B5EF4-FFF2-40B4-BE49-F238E27FC236}">
-                  <a16:creationId xmlns:a16="http://schemas.microsoft.com/office/drawing/2014/main" id="{4A28F3F3-1D22-45C2-8627-C7E4E74BDD00}"/>
-                </a:ext>
-                <a:ext uri="{C183D7F6-B498-43B3-948B-1728B52AA6E4}">
-                  <adec:decorative xmlns:adec="http://schemas.microsoft.com/office/drawing/2017/decorative" val="1"/>
-                </a:ext>
-              </a:extLst>
-            </p:cNvPr>
-            <p:cNvSpPr>
-              <a:spLocks noChangeAspect="1"/>
-            </p:cNvSpPr>
-            <p:nvPr>
-              <p:extLst>
-                <p:ext uri="{386F3935-93C4-4BCD-93E2-E3B085C9AB24}">
-                  <p16:designElem xmlns:p16="http://schemas.microsoft.com/office/powerpoint/2015/main" val="1"/>
-                </p:ext>
-              </p:extLst>
-            </p:nvPr>
-          </p:nvSpPr>
-          <p:spPr>
-            <a:xfrm rot="10800000">
-              <a:off x="5602287" y="271887"/>
-              <a:ext cx="6589713" cy="6589713"/>
-            </a:xfrm>
-            <a:prstGeom prst="rect">
-              <a:avLst/>
-            </a:prstGeom>
-            <a:gradFill flip="none" rotWithShape="1">
-              <a:gsLst>
-                <a:gs pos="0">
-                  <a:schemeClr val="accent3"/>
-                </a:gs>
-                <a:gs pos="60000">
-                  <a:schemeClr val="accent3">
-                    <a:alpha val="0"/>
-                  </a:schemeClr>
-                </a:gs>
-              </a:gsLst>
-              <a:path path="circle">
-                <a:fillToRect r="100000" b="100000"/>
-              </a:path>
-              <a:tileRect l="-100000" t="-100000"/>
-            </a:gradFill>
-            <a:ln w="12700" cap="flat" cmpd="sng" algn="ctr">
-              <a:noFill/>
-              <a:prstDash val="solid"/>
-              <a:miter lim="800000"/>
-            </a:ln>
-            <a:effectLst/>
-          </p:spPr>
-          <p:style>
-            <a:lnRef idx="2">
-              <a:schemeClr val="accent1">
-                <a:shade val="50000"/>
-              </a:schemeClr>
-            </a:lnRef>
-            <a:fillRef idx="1">
-              <a:schemeClr val="accent1"/>
-            </a:fillRef>
-            <a:effectRef idx="0">
-              <a:schemeClr val="accent1"/>
-            </a:effectRef>
-            <a:fontRef idx="minor">
-              <a:schemeClr val="lt1"/>
-            </a:fontRef>
-          </p:style>
-          <p:txBody>
-            <a:bodyPr rtlCol="0" anchor="ctr"/>
-            <a:lstStyle/>
-            <a:p>
-              <a:pPr algn="ctr"/>
-              <a:endParaRPr lang="en-US"/>
-            </a:p>
-          </p:txBody>
-        </p:sp>
-      </p:grpSp>
-      <p:sp>
-        <p:nvSpPr>
-          <p:cNvPr id="24" name="Rectangle 23">
-            <a:extLst>
-              <a:ext uri="{FF2B5EF4-FFF2-40B4-BE49-F238E27FC236}">
-                <a16:creationId xmlns:a16="http://schemas.microsoft.com/office/drawing/2014/main" id="{9D8267F7-1115-4F9A-BEF5-BB6664BCF0DB}"/>
-              </a:ext>
-              <a:ext uri="{C183D7F6-B498-43B3-948B-1728B52AA6E4}">
-                <adec:decorative xmlns:adec="http://schemas.microsoft.com/office/drawing/2017/decorative" val="1"/>
-              </a:ext>
-            </a:extLst>
-          </p:cNvPr>
-          <p:cNvSpPr>
-            <a:spLocks noGrp="1" noRot="1" noChangeAspect="1" noMove="1" noResize="1" noEditPoints="1" noAdjustHandles="1" noChangeArrowheads="1" noChangeShapeType="1" noTextEdit="1"/>
-          </p:cNvSpPr>
-          <p:nvPr>
-            <p:extLst>
-              <p:ext uri="{386F3935-93C4-4BCD-93E2-E3B085C9AB24}">
-                <p16:designElem xmlns:p16="http://schemas.microsoft.com/office/powerpoint/2015/main" val="1"/>
-              </p:ext>
-            </p:extLst>
-          </p:nvPr>
-        </p:nvSpPr>
-        <p:spPr>
-          <a:xfrm flipH="1">
-            <a:off x="0" y="0"/>
-            <a:ext cx="12192000" cy="6858000"/>
-          </a:xfrm>
-          <a:prstGeom prst="rect">
-            <a:avLst/>
-          </a:prstGeom>
-          <a:gradFill>
-            <a:gsLst>
-              <a:gs pos="0">
-                <a:schemeClr val="bg2">
-                  <a:alpha val="40000"/>
-                </a:schemeClr>
-              </a:gs>
-              <a:gs pos="100000">
-                <a:schemeClr val="bg2">
-                  <a:alpha val="80000"/>
-                </a:schemeClr>
-              </a:gs>
-            </a:gsLst>
-            <a:lin ang="0" scaled="1"/>
-          </a:gradFill>
-          <a:ln w="12700" cap="flat" cmpd="sng" algn="ctr">
-            <a:noFill/>
-            <a:prstDash val="solid"/>
-            <a:miter lim="800000"/>
-          </a:ln>
-          <a:effectLst/>
-        </p:spPr>
-        <p:style>
-          <a:lnRef idx="2">
-            <a:schemeClr val="accent1">
-              <a:shade val="50000"/>
-            </a:schemeClr>
-          </a:lnRef>
-          <a:fillRef idx="1">
-            <a:schemeClr val="accent1"/>
-          </a:fillRef>
-          <a:effectRef idx="0">
-            <a:schemeClr val="accent1"/>
-          </a:effectRef>
-          <a:fontRef idx="minor">
-            <a:schemeClr val="lt1"/>
-          </a:fontRef>
-        </p:style>
-        <p:txBody>
-          <a:bodyPr rtlCol="0" anchor="ctr"/>
-          <a:lstStyle/>
-          <a:p>
-            <a:endParaRPr lang="en-US" dirty="0"/>
-          </a:p>
-        </p:txBody>
-      </p:sp>
-      <p:sp>
-        <p:nvSpPr>
-          <p:cNvPr id="2" name="Titel 1">
-            <a:extLst>
-              <a:ext uri="{FF2B5EF4-FFF2-40B4-BE49-F238E27FC236}">
-                <a16:creationId xmlns:a16="http://schemas.microsoft.com/office/drawing/2014/main" id="{7F1A74E0-4A84-F0D3-D7E5-D3D059A103C6}"/>
-              </a:ext>
-            </a:extLst>
-          </p:cNvPr>
-          <p:cNvSpPr>
-            <a:spLocks noGrp="1"/>
-          </p:cNvSpPr>
-          <p:nvPr>
-            <p:ph type="title"/>
-          </p:nvPr>
-        </p:nvSpPr>
-        <p:spPr>
-          <a:xfrm>
-            <a:off x="7086315" y="545126"/>
-            <a:ext cx="4554821" cy="2186096"/>
-          </a:xfrm>
-        </p:spPr>
-        <p:txBody>
-          <a:bodyPr anchor="t">
-            <a:normAutofit/>
-          </a:bodyPr>
-          <a:lstStyle/>
-          <a:p>
-            <a:r>
-              <a:rPr lang="en-GB" sz="5100"/>
-              <a:t>Communication Interface</a:t>
-            </a:r>
-            <a:endParaRPr lang="en-DK" sz="5100"/>
-          </a:p>
-        </p:txBody>
-      </p:sp>
-      <p:pic>
-        <p:nvPicPr>
-          <p:cNvPr id="5" name="Billede 4" descr="Et billede, der indeholder skærmbillede, tekst, software, Multimediesoftware&#10;&#10;AI-genereret indhold kan være ukorrekt.">
-            <a:extLst>
-              <a:ext uri="{FF2B5EF4-FFF2-40B4-BE49-F238E27FC236}">
-                <a16:creationId xmlns:a16="http://schemas.microsoft.com/office/drawing/2014/main" id="{E5C19211-3744-DD2D-2F6F-1578BBC6F853}"/>
-              </a:ext>
-            </a:extLst>
-          </p:cNvPr>
-          <p:cNvPicPr>
-            <a:picLocks noChangeAspect="1"/>
-          </p:cNvPicPr>
-          <p:nvPr/>
-        </p:nvPicPr>
-        <p:blipFill>
-          <a:blip r:embed="rId2"/>
-          <a:stretch>
-            <a:fillRect/>
-          </a:stretch>
-        </p:blipFill>
-        <p:spPr>
-          <a:xfrm>
-            <a:off x="540000" y="2312728"/>
-            <a:ext cx="6049714" cy="2223269"/>
-          </a:xfrm>
-          <a:prstGeom prst="rect">
-            <a:avLst/>
-          </a:prstGeom>
-        </p:spPr>
-      </p:pic>
-      <p:sp>
-        <p:nvSpPr>
-          <p:cNvPr id="3" name="Pladsholder til indhold 2">
-            <a:extLst>
-              <a:ext uri="{FF2B5EF4-FFF2-40B4-BE49-F238E27FC236}">
-                <a16:creationId xmlns:a16="http://schemas.microsoft.com/office/drawing/2014/main" id="{63E6808E-9411-6145-3275-D1E3A60F52C5}"/>
-              </a:ext>
-            </a:extLst>
-          </p:cNvPr>
-          <p:cNvSpPr>
-            <a:spLocks noGrp="1"/>
-          </p:cNvSpPr>
-          <p:nvPr>
-            <p:ph idx="1"/>
-          </p:nvPr>
-        </p:nvSpPr>
-        <p:spPr>
-          <a:xfrm>
-            <a:off x="7104063" y="2947121"/>
-            <a:ext cx="4537073" cy="3361604"/>
-          </a:xfrm>
-        </p:spPr>
-        <p:txBody>
-          <a:bodyPr anchor="t">
-            <a:normAutofit/>
-          </a:bodyPr>
-          <a:lstStyle/>
-          <a:p>
-            <a:pPr marL="0" indent="0">
-              <a:buNone/>
-            </a:pPr>
-            <a:r>
-              <a:rPr lang="en-GB" b="1"/>
-              <a:t>Supported Commands</a:t>
-            </a:r>
-          </a:p>
-          <a:p>
-            <a:r>
-              <a:rPr lang="en-GB"/>
-              <a:t>Read status</a:t>
-            </a:r>
-          </a:p>
-          <a:p>
-            <a:r>
-              <a:rPr lang="en-GB"/>
-              <a:t>Set TX parameters</a:t>
-            </a:r>
-          </a:p>
-          <a:p>
-            <a:r>
-              <a:rPr lang="en-GB"/>
-              <a:t>Start / stop TX</a:t>
-            </a:r>
-          </a:p>
-          <a:p>
-            <a:r>
-              <a:rPr lang="en-GB"/>
-              <a:t>Request sampled data</a:t>
-            </a:r>
-          </a:p>
-          <a:p>
-            <a:r>
-              <a:rPr lang="en-GB"/>
-              <a:t>Flash read/write</a:t>
-            </a:r>
-          </a:p>
-          <a:p>
-            <a:pPr marL="0" indent="0">
-              <a:buNone/>
-            </a:pPr>
-            <a:endParaRPr lang="en-DK"/>
-          </a:p>
-        </p:txBody>
-      </p:sp>
-    </p:spTree>
-    <p:extLst>
-      <p:ext uri="{BB962C8B-B14F-4D97-AF65-F5344CB8AC3E}">
-        <p14:creationId xmlns:p14="http://schemas.microsoft.com/office/powerpoint/2010/main" val="129700778"/>
-      </p:ext>
-    </p:extLst>
-  </p:cSld>
-  <p:clrMapOvr>
-    <a:masterClrMapping/>
-  </p:clrMapOvr>
-</p:sld>
-</file>
-
 <file path=ppt/theme/theme1.xml><?xml version="1.0" encoding="utf-8"?>
 <a:theme xmlns:a="http://schemas.openxmlformats.org/drawingml/2006/main" name="GlowVTI">
   <a:themeElements>
@@ -19767,4 +21131,319 @@
     </a:ext>
   </a:extLst>
 </a:theme>
+</file>
+
+<file path=ppt/theme/theme2.xml><?xml version="1.0" encoding="utf-8"?>
+<a:theme xmlns:a="http://schemas.openxmlformats.org/drawingml/2006/main" name="Office-tema">
+  <a:themeElements>
+    <a:clrScheme name="Office">
+      <a:dk1>
+        <a:sysClr val="windowText" lastClr="000000"/>
+      </a:dk1>
+      <a:lt1>
+        <a:sysClr val="window" lastClr="FFFFFF"/>
+      </a:lt1>
+      <a:dk2>
+        <a:srgbClr val="0E2841"/>
+      </a:dk2>
+      <a:lt2>
+        <a:srgbClr val="E8E8E8"/>
+      </a:lt2>
+      <a:accent1>
+        <a:srgbClr val="156082"/>
+      </a:accent1>
+      <a:accent2>
+        <a:srgbClr val="E97132"/>
+      </a:accent2>
+      <a:accent3>
+        <a:srgbClr val="196B24"/>
+      </a:accent3>
+      <a:accent4>
+        <a:srgbClr val="0F9ED5"/>
+      </a:accent4>
+      <a:accent5>
+        <a:srgbClr val="A02B93"/>
+      </a:accent5>
+      <a:accent6>
+        <a:srgbClr val="4EA72E"/>
+      </a:accent6>
+      <a:hlink>
+        <a:srgbClr val="467886"/>
+      </a:hlink>
+      <a:folHlink>
+        <a:srgbClr val="96607D"/>
+      </a:folHlink>
+    </a:clrScheme>
+    <a:fontScheme name="Office">
+      <a:majorFont>
+        <a:latin typeface="Aptos Display" panose="02110004020202020204"/>
+        <a:ea typeface=""/>
+        <a:cs typeface=""/>
+        <a:font script="Jpan" typeface="游ゴシック Light"/>
+        <a:font script="Hang" typeface="맑은 고딕"/>
+        <a:font script="Hans" typeface="等线 Light"/>
+        <a:font script="Hant" typeface="新細明體"/>
+        <a:font script="Arab" typeface="Times New Roman"/>
+        <a:font script="Hebr" typeface="Times New Roman"/>
+        <a:font script="Thai" typeface="Angsana New"/>
+        <a:font script="Ethi" typeface="Nyala"/>
+        <a:font script="Beng" typeface="Vrinda"/>
+        <a:font script="Gujr" typeface="Shruti"/>
+        <a:font script="Khmr" typeface="MoolBoran"/>
+        <a:font script="Knda" typeface="Tunga"/>
+        <a:font script="Guru" typeface="Raavi"/>
+        <a:font script="Cans" typeface="Euphemia"/>
+        <a:font script="Cher" typeface="Plantagenet Cherokee"/>
+        <a:font script="Yiii" typeface="Microsoft Yi Baiti"/>
+        <a:font script="Tibt" typeface="Microsoft Himalaya"/>
+        <a:font script="Thaa" typeface="MV Boli"/>
+        <a:font script="Deva" typeface="Mangal"/>
+        <a:font script="Telu" typeface="Gautami"/>
+        <a:font script="Taml" typeface="Latha"/>
+        <a:font script="Syrc" typeface="Estrangelo Edessa"/>
+        <a:font script="Orya" typeface="Kalinga"/>
+        <a:font script="Mlym" typeface="Kartika"/>
+        <a:font script="Laoo" typeface="DokChampa"/>
+        <a:font script="Sinh" typeface="Iskoola Pota"/>
+        <a:font script="Mong" typeface="Mongolian Baiti"/>
+        <a:font script="Viet" typeface="Times New Roman"/>
+        <a:font script="Uigh" typeface="Microsoft Uighur"/>
+        <a:font script="Geor" typeface="Sylfaen"/>
+        <a:font script="Armn" typeface="Arial"/>
+        <a:font script="Bugi" typeface="Leelawadee UI"/>
+        <a:font script="Bopo" typeface="Microsoft JhengHei"/>
+        <a:font script="Java" typeface="Javanese Text"/>
+        <a:font script="Lisu" typeface="Segoe UI"/>
+        <a:font script="Mymr" typeface="Myanmar Text"/>
+        <a:font script="Nkoo" typeface="Ebrima"/>
+        <a:font script="Olck" typeface="Nirmala UI"/>
+        <a:font script="Osma" typeface="Ebrima"/>
+        <a:font script="Phag" typeface="Phagspa"/>
+        <a:font script="Syrn" typeface="Estrangelo Edessa"/>
+        <a:font script="Syrj" typeface="Estrangelo Edessa"/>
+        <a:font script="Syre" typeface="Estrangelo Edessa"/>
+        <a:font script="Sora" typeface="Nirmala UI"/>
+        <a:font script="Tale" typeface="Microsoft Tai Le"/>
+        <a:font script="Talu" typeface="Microsoft New Tai Lue"/>
+        <a:font script="Tfng" typeface="Ebrima"/>
+      </a:majorFont>
+      <a:minorFont>
+        <a:latin typeface="Aptos" panose="02110004020202020204"/>
+        <a:ea typeface=""/>
+        <a:cs typeface=""/>
+        <a:font script="Jpan" typeface="游ゴシック"/>
+        <a:font script="Hang" typeface="맑은 고딕"/>
+        <a:font script="Hans" typeface="等线"/>
+        <a:font script="Hant" typeface="新細明體"/>
+        <a:font script="Arab" typeface="Arial"/>
+        <a:font script="Hebr" typeface="Arial"/>
+        <a:font script="Thai" typeface="Cordia New"/>
+        <a:font script="Ethi" typeface="Nyala"/>
+        <a:font script="Beng" typeface="Vrinda"/>
+        <a:font script="Gujr" typeface="Shruti"/>
+        <a:font script="Khmr" typeface="DaunPenh"/>
+        <a:font script="Knda" typeface="Tunga"/>
+        <a:font script="Guru" typeface="Raavi"/>
+        <a:font script="Cans" typeface="Euphemia"/>
+        <a:font script="Cher" typeface="Plantagenet Cherokee"/>
+        <a:font script="Yiii" typeface="Microsoft Yi Baiti"/>
+        <a:font script="Tibt" typeface="Microsoft Himalaya"/>
+        <a:font script="Thaa" typeface="MV Boli"/>
+        <a:font script="Deva" typeface="Mangal"/>
+        <a:font script="Telu" typeface="Gautami"/>
+        <a:font script="Taml" typeface="Latha"/>
+        <a:font script="Syrc" typeface="Estrangelo Edessa"/>
+        <a:font script="Orya" typeface="Kalinga"/>
+        <a:font script="Mlym" typeface="Kartika"/>
+        <a:font script="Laoo" typeface="DokChampa"/>
+        <a:font script="Sinh" typeface="Iskoola Pota"/>
+        <a:font script="Mong" typeface="Mongolian Baiti"/>
+        <a:font script="Viet" typeface="Arial"/>
+        <a:font script="Uigh" typeface="Microsoft Uighur"/>
+        <a:font script="Geor" typeface="Sylfaen"/>
+        <a:font script="Armn" typeface="Arial"/>
+        <a:font script="Bugi" typeface="Leelawadee UI"/>
+        <a:font script="Bopo" typeface="Microsoft JhengHei"/>
+        <a:font script="Java" typeface="Javanese Text"/>
+        <a:font script="Lisu" typeface="Segoe UI"/>
+        <a:font script="Mymr" typeface="Myanmar Text"/>
+        <a:font script="Nkoo" typeface="Ebrima"/>
+        <a:font script="Olck" typeface="Nirmala UI"/>
+        <a:font script="Osma" typeface="Ebrima"/>
+        <a:font script="Phag" typeface="Phagspa"/>
+        <a:font script="Syrn" typeface="Estrangelo Edessa"/>
+        <a:font script="Syrj" typeface="Estrangelo Edessa"/>
+        <a:font script="Syre" typeface="Estrangelo Edessa"/>
+        <a:font script="Sora" typeface="Nirmala UI"/>
+        <a:font script="Tale" typeface="Microsoft Tai Le"/>
+        <a:font script="Talu" typeface="Microsoft New Tai Lue"/>
+        <a:font script="Tfng" typeface="Ebrima"/>
+      </a:minorFont>
+    </a:fontScheme>
+    <a:fmtScheme name="Office">
+      <a:fillStyleLst>
+        <a:solidFill>
+          <a:schemeClr val="phClr"/>
+        </a:solidFill>
+        <a:gradFill rotWithShape="1">
+          <a:gsLst>
+            <a:gs pos="0">
+              <a:schemeClr val="phClr">
+                <a:lumMod val="110000"/>
+                <a:satMod val="105000"/>
+                <a:tint val="67000"/>
+              </a:schemeClr>
+            </a:gs>
+            <a:gs pos="50000">
+              <a:schemeClr val="phClr">
+                <a:lumMod val="105000"/>
+                <a:satMod val="103000"/>
+                <a:tint val="73000"/>
+              </a:schemeClr>
+            </a:gs>
+            <a:gs pos="100000">
+              <a:schemeClr val="phClr">
+                <a:lumMod val="105000"/>
+                <a:satMod val="109000"/>
+                <a:tint val="81000"/>
+              </a:schemeClr>
+            </a:gs>
+          </a:gsLst>
+          <a:lin ang="5400000" scaled="0"/>
+        </a:gradFill>
+        <a:gradFill rotWithShape="1">
+          <a:gsLst>
+            <a:gs pos="0">
+              <a:schemeClr val="phClr">
+                <a:satMod val="103000"/>
+                <a:lumMod val="102000"/>
+                <a:tint val="94000"/>
+              </a:schemeClr>
+            </a:gs>
+            <a:gs pos="50000">
+              <a:schemeClr val="phClr">
+                <a:satMod val="110000"/>
+                <a:lumMod val="100000"/>
+                <a:shade val="100000"/>
+              </a:schemeClr>
+            </a:gs>
+            <a:gs pos="100000">
+              <a:schemeClr val="phClr">
+                <a:lumMod val="99000"/>
+                <a:satMod val="120000"/>
+                <a:shade val="78000"/>
+              </a:schemeClr>
+            </a:gs>
+          </a:gsLst>
+          <a:lin ang="5400000" scaled="0"/>
+        </a:gradFill>
+      </a:fillStyleLst>
+      <a:lnStyleLst>
+        <a:ln w="12700" cap="flat" cmpd="sng" algn="ctr">
+          <a:solidFill>
+            <a:schemeClr val="phClr"/>
+          </a:solidFill>
+          <a:prstDash val="solid"/>
+          <a:miter lim="800000"/>
+        </a:ln>
+        <a:ln w="19050" cap="flat" cmpd="sng" algn="ctr">
+          <a:solidFill>
+            <a:schemeClr val="phClr"/>
+          </a:solidFill>
+          <a:prstDash val="solid"/>
+          <a:miter lim="800000"/>
+        </a:ln>
+        <a:ln w="25400" cap="flat" cmpd="sng" algn="ctr">
+          <a:solidFill>
+            <a:schemeClr val="phClr"/>
+          </a:solidFill>
+          <a:prstDash val="solid"/>
+          <a:miter lim="800000"/>
+        </a:ln>
+      </a:lnStyleLst>
+      <a:effectStyleLst>
+        <a:effectStyle>
+          <a:effectLst/>
+        </a:effectStyle>
+        <a:effectStyle>
+          <a:effectLst/>
+        </a:effectStyle>
+        <a:effectStyle>
+          <a:effectLst>
+            <a:outerShdw blurRad="57150" dist="19050" dir="5400000" algn="ctr" rotWithShape="0">
+              <a:srgbClr val="000000">
+                <a:alpha val="63000"/>
+              </a:srgbClr>
+            </a:outerShdw>
+          </a:effectLst>
+        </a:effectStyle>
+      </a:effectStyleLst>
+      <a:bgFillStyleLst>
+        <a:solidFill>
+          <a:schemeClr val="phClr"/>
+        </a:solidFill>
+        <a:solidFill>
+          <a:schemeClr val="phClr">
+            <a:tint val="95000"/>
+            <a:satMod val="170000"/>
+          </a:schemeClr>
+        </a:solidFill>
+        <a:gradFill rotWithShape="1">
+          <a:gsLst>
+            <a:gs pos="0">
+              <a:schemeClr val="phClr">
+                <a:tint val="93000"/>
+                <a:satMod val="150000"/>
+                <a:shade val="98000"/>
+                <a:lumMod val="102000"/>
+              </a:schemeClr>
+            </a:gs>
+            <a:gs pos="50000">
+              <a:schemeClr val="phClr">
+                <a:tint val="98000"/>
+                <a:satMod val="130000"/>
+                <a:shade val="90000"/>
+                <a:lumMod val="103000"/>
+              </a:schemeClr>
+            </a:gs>
+            <a:gs pos="100000">
+              <a:schemeClr val="phClr">
+                <a:shade val="63000"/>
+                <a:satMod val="120000"/>
+              </a:schemeClr>
+            </a:gs>
+          </a:gsLst>
+          <a:lin ang="5400000" scaled="0"/>
+        </a:gradFill>
+      </a:bgFillStyleLst>
+    </a:fmtScheme>
+  </a:themeElements>
+  <a:objectDefaults>
+    <a:lnDef>
+      <a:spPr/>
+      <a:bodyPr/>
+      <a:lstStyle/>
+      <a:style>
+        <a:lnRef idx="2">
+          <a:schemeClr val="accent1"/>
+        </a:lnRef>
+        <a:fillRef idx="0">
+          <a:schemeClr val="accent1"/>
+        </a:fillRef>
+        <a:effectRef idx="1">
+          <a:schemeClr val="accent1"/>
+        </a:effectRef>
+        <a:fontRef idx="minor">
+          <a:schemeClr val="tx1"/>
+        </a:fontRef>
+      </a:style>
+    </a:lnDef>
+  </a:objectDefaults>
+  <a:extraClrSchemeLst/>
+  <a:extLst>
+    <a:ext uri="{05A4C25C-085E-4340-85A3-A5531E510DB2}">
+      <thm15:themeFamily xmlns:thm15="http://schemas.microsoft.com/office/thememl/2012/main" name="Office Theme" id="{2E142A2C-CD16-42D6-873A-C26D2A0506FA}" vid="{1BDDFF52-6CD6-40A5-AB3C-68EB2F1E4D0A}"/>
+    </a:ext>
+  </a:extLst>
+</a:theme>
 </file>